--- a/figures/Hyatt - AUTS Poster NEW.pptx
+++ b/figures/Hyatt - AUTS Poster NEW.pptx
@@ -124,7 +124,7 @@
 <file path=ppt/revisionInfo.xml><?xml version="1.0" encoding="utf-8"?>
 <p1510:revInfo xmlns:a="http://schemas.openxmlformats.org/drawingml/2006/main" xmlns:r="http://schemas.openxmlformats.org/officeDocument/2006/relationships" xmlns:p1510="http://schemas.microsoft.com/office/powerpoint/2015/10/main">
   <p1510:revLst>
-    <p1510:client id="{57D20BCF-DB8D-4DFA-8D3C-4A52695BE2FB}" v="57" dt="2024-11-06T02:27:55.321"/>
+    <p1510:client id="{57D20BCF-DB8D-4DFA-8D3C-4A52695BE2FB}" v="67" dt="2024-11-15T01:20:21.592"/>
   </p1510:revLst>
 </p1510:revInfo>
 </file>
@@ -134,12 +134,12 @@
   <pc:docChgLst>
     <pc:chgData name="Hyatt, Jacob E CDT 2025" userId="8b9d417a-8c46-4136-87d3-9b6e2d7ca5cb" providerId="ADAL" clId="{57D20BCF-DB8D-4DFA-8D3C-4A52695BE2FB}"/>
     <pc:docChg chg="undo custSel delSld modSld">
-      <pc:chgData name="Hyatt, Jacob E CDT 2025" userId="8b9d417a-8c46-4136-87d3-9b6e2d7ca5cb" providerId="ADAL" clId="{57D20BCF-DB8D-4DFA-8D3C-4A52695BE2FB}" dt="2024-11-06T02:49:51.043" v="1224" actId="20577"/>
+      <pc:chgData name="Hyatt, Jacob E CDT 2025" userId="8b9d417a-8c46-4136-87d3-9b6e2d7ca5cb" providerId="ADAL" clId="{57D20BCF-DB8D-4DFA-8D3C-4A52695BE2FB}" dt="2024-11-15T01:23:41.663" v="1276" actId="167"/>
       <pc:docMkLst>
         <pc:docMk/>
       </pc:docMkLst>
       <pc:sldChg chg="addSp delSp modSp mod">
-        <pc:chgData name="Hyatt, Jacob E CDT 2025" userId="8b9d417a-8c46-4136-87d3-9b6e2d7ca5cb" providerId="ADAL" clId="{57D20BCF-DB8D-4DFA-8D3C-4A52695BE2FB}" dt="2024-11-06T02:49:51.043" v="1224" actId="20577"/>
+        <pc:chgData name="Hyatt, Jacob E CDT 2025" userId="8b9d417a-8c46-4136-87d3-9b6e2d7ca5cb" providerId="ADAL" clId="{57D20BCF-DB8D-4DFA-8D3C-4A52695BE2FB}" dt="2024-11-15T01:23:41.663" v="1276" actId="167"/>
         <pc:sldMkLst>
           <pc:docMk/>
           <pc:sldMk cId="2696109715" sldId="378"/>
@@ -185,11 +185,27 @@
           </ac:spMkLst>
         </pc:spChg>
         <pc:spChg chg="add mod">
+          <ac:chgData name="Hyatt, Jacob E CDT 2025" userId="8b9d417a-8c46-4136-87d3-9b6e2d7ca5cb" providerId="ADAL" clId="{57D20BCF-DB8D-4DFA-8D3C-4A52695BE2FB}" dt="2024-11-08T18:27:27.903" v="1263"/>
+          <ac:spMkLst>
+            <pc:docMk/>
+            <pc:sldMk cId="2696109715" sldId="378"/>
+            <ac:spMk id="9" creationId="{1BBD63E5-17B3-A0D2-3EF6-364435EDEA2F}"/>
+          </ac:spMkLst>
+        </pc:spChg>
+        <pc:spChg chg="add mod">
           <ac:chgData name="Hyatt, Jacob E CDT 2025" userId="8b9d417a-8c46-4136-87d3-9b6e2d7ca5cb" providerId="ADAL" clId="{57D20BCF-DB8D-4DFA-8D3C-4A52695BE2FB}" dt="2024-11-06T01:06:23.203" v="3"/>
           <ac:spMkLst>
             <pc:docMk/>
             <pc:sldMk cId="2696109715" sldId="378"/>
             <ac:spMk id="9" creationId="{73770E90-E0EA-3397-7F9E-B29B26BF8687}"/>
+          </ac:spMkLst>
+        </pc:spChg>
+        <pc:spChg chg="add mod">
+          <ac:chgData name="Hyatt, Jacob E CDT 2025" userId="8b9d417a-8c46-4136-87d3-9b6e2d7ca5cb" providerId="ADAL" clId="{57D20BCF-DB8D-4DFA-8D3C-4A52695BE2FB}" dt="2024-11-08T18:27:27.903" v="1263"/>
+          <ac:spMkLst>
+            <pc:docMk/>
+            <pc:sldMk cId="2696109715" sldId="378"/>
+            <ac:spMk id="10" creationId="{6DB4C091-D240-83D4-2C74-D6A9903EB5C7}"/>
           </ac:spMkLst>
         </pc:spChg>
         <pc:spChg chg="add mod">
@@ -201,11 +217,27 @@
           </ac:spMkLst>
         </pc:spChg>
         <pc:spChg chg="add mod">
+          <ac:chgData name="Hyatt, Jacob E CDT 2025" userId="8b9d417a-8c46-4136-87d3-9b6e2d7ca5cb" providerId="ADAL" clId="{57D20BCF-DB8D-4DFA-8D3C-4A52695BE2FB}" dt="2024-11-08T18:27:27.903" v="1263"/>
+          <ac:spMkLst>
+            <pc:docMk/>
+            <pc:sldMk cId="2696109715" sldId="378"/>
+            <ac:spMk id="11" creationId="{79D1527D-A5CF-4A8F-2AEC-D2EC8BCCF25F}"/>
+          </ac:spMkLst>
+        </pc:spChg>
+        <pc:spChg chg="add mod">
           <ac:chgData name="Hyatt, Jacob E CDT 2025" userId="8b9d417a-8c46-4136-87d3-9b6e2d7ca5cb" providerId="ADAL" clId="{57D20BCF-DB8D-4DFA-8D3C-4A52695BE2FB}" dt="2024-11-06T01:06:16.840" v="2" actId="14100"/>
           <ac:spMkLst>
             <pc:docMk/>
             <pc:sldMk cId="2696109715" sldId="378"/>
             <ac:spMk id="11" creationId="{7F8A387D-1A32-C231-BB2B-30C0725F63E8}"/>
+          </ac:spMkLst>
+        </pc:spChg>
+        <pc:spChg chg="add mod">
+          <ac:chgData name="Hyatt, Jacob E CDT 2025" userId="8b9d417a-8c46-4136-87d3-9b6e2d7ca5cb" providerId="ADAL" clId="{57D20BCF-DB8D-4DFA-8D3C-4A52695BE2FB}" dt="2024-11-08T18:27:27.903" v="1263"/>
+          <ac:spMkLst>
+            <pc:docMk/>
+            <pc:sldMk cId="2696109715" sldId="378"/>
+            <ac:spMk id="12" creationId="{015E9642-E0F8-D6E1-423C-449DDC511F20}"/>
           </ac:spMkLst>
         </pc:spChg>
         <pc:spChg chg="add mod">
@@ -225,11 +257,35 @@
           </ac:spMkLst>
         </pc:spChg>
         <pc:spChg chg="add mod">
+          <ac:chgData name="Hyatt, Jacob E CDT 2025" userId="8b9d417a-8c46-4136-87d3-9b6e2d7ca5cb" providerId="ADAL" clId="{57D20BCF-DB8D-4DFA-8D3C-4A52695BE2FB}" dt="2024-11-08T18:27:27.903" v="1263"/>
+          <ac:spMkLst>
+            <pc:docMk/>
+            <pc:sldMk cId="2696109715" sldId="378"/>
+            <ac:spMk id="13" creationId="{81F9B3A6-0DE6-0EF4-BD6E-796BD7C92345}"/>
+          </ac:spMkLst>
+        </pc:spChg>
+        <pc:spChg chg="add mod">
+          <ac:chgData name="Hyatt, Jacob E CDT 2025" userId="8b9d417a-8c46-4136-87d3-9b6e2d7ca5cb" providerId="ADAL" clId="{57D20BCF-DB8D-4DFA-8D3C-4A52695BE2FB}" dt="2024-11-08T18:27:27.903" v="1263"/>
+          <ac:spMkLst>
+            <pc:docMk/>
+            <pc:sldMk cId="2696109715" sldId="378"/>
+            <ac:spMk id="14" creationId="{75317FF5-B62E-49BD-206E-D975C07A3E21}"/>
+          </ac:spMkLst>
+        </pc:spChg>
+        <pc:spChg chg="add mod">
           <ac:chgData name="Hyatt, Jacob E CDT 2025" userId="8b9d417a-8c46-4136-87d3-9b6e2d7ca5cb" providerId="ADAL" clId="{57D20BCF-DB8D-4DFA-8D3C-4A52695BE2FB}" dt="2024-11-06T01:06:16.840" v="2" actId="14100"/>
           <ac:spMkLst>
             <pc:docMk/>
             <pc:sldMk cId="2696109715" sldId="378"/>
             <ac:spMk id="14" creationId="{A9891CE2-DD18-5F24-5485-7BFB6FF08EE4}"/>
+          </ac:spMkLst>
+        </pc:spChg>
+        <pc:spChg chg="add mod">
+          <ac:chgData name="Hyatt, Jacob E CDT 2025" userId="8b9d417a-8c46-4136-87d3-9b6e2d7ca5cb" providerId="ADAL" clId="{57D20BCF-DB8D-4DFA-8D3C-4A52695BE2FB}" dt="2024-11-08T18:27:27.903" v="1263"/>
+          <ac:spMkLst>
+            <pc:docMk/>
+            <pc:sldMk cId="2696109715" sldId="378"/>
+            <ac:spMk id="15" creationId="{B1449075-E37A-4422-398C-981A345B762D}"/>
           </ac:spMkLst>
         </pc:spChg>
         <pc:spChg chg="add mod">
@@ -241,11 +297,27 @@
           </ac:spMkLst>
         </pc:spChg>
         <pc:spChg chg="add mod">
+          <ac:chgData name="Hyatt, Jacob E CDT 2025" userId="8b9d417a-8c46-4136-87d3-9b6e2d7ca5cb" providerId="ADAL" clId="{57D20BCF-DB8D-4DFA-8D3C-4A52695BE2FB}" dt="2024-11-08T18:27:27.903" v="1263"/>
+          <ac:spMkLst>
+            <pc:docMk/>
+            <pc:sldMk cId="2696109715" sldId="378"/>
+            <ac:spMk id="16" creationId="{47ABC604-CD7A-57B5-47B9-C14EB3B61AB6}"/>
+          </ac:spMkLst>
+        </pc:spChg>
+        <pc:spChg chg="add mod">
           <ac:chgData name="Hyatt, Jacob E CDT 2025" userId="8b9d417a-8c46-4136-87d3-9b6e2d7ca5cb" providerId="ADAL" clId="{57D20BCF-DB8D-4DFA-8D3C-4A52695BE2FB}" dt="2024-11-06T01:06:23.203" v="3"/>
           <ac:spMkLst>
             <pc:docMk/>
             <pc:sldMk cId="2696109715" sldId="378"/>
             <ac:spMk id="16" creationId="{F26C085C-7279-A73A-1D28-384EC1EDE12A}"/>
+          </ac:spMkLst>
+        </pc:spChg>
+        <pc:spChg chg="add mod">
+          <ac:chgData name="Hyatt, Jacob E CDT 2025" userId="8b9d417a-8c46-4136-87d3-9b6e2d7ca5cb" providerId="ADAL" clId="{57D20BCF-DB8D-4DFA-8D3C-4A52695BE2FB}" dt="2024-11-08T18:27:27.903" v="1263"/>
+          <ac:spMkLst>
+            <pc:docMk/>
+            <pc:sldMk cId="2696109715" sldId="378"/>
+            <ac:spMk id="17" creationId="{86CBDAE7-AEC3-6F9E-88D4-688BCF78C412}"/>
           </ac:spMkLst>
         </pc:spChg>
         <pc:spChg chg="add mod">
@@ -257,11 +329,35 @@
           </ac:spMkLst>
         </pc:spChg>
         <pc:spChg chg="add mod">
+          <ac:chgData name="Hyatt, Jacob E CDT 2025" userId="8b9d417a-8c46-4136-87d3-9b6e2d7ca5cb" providerId="ADAL" clId="{57D20BCF-DB8D-4DFA-8D3C-4A52695BE2FB}" dt="2024-11-08T18:27:27.903" v="1263"/>
+          <ac:spMkLst>
+            <pc:docMk/>
+            <pc:sldMk cId="2696109715" sldId="378"/>
+            <ac:spMk id="18" creationId="{C5BA9659-A6E8-DA38-CE77-8928505B8A1D}"/>
+          </ac:spMkLst>
+        </pc:spChg>
+        <pc:spChg chg="add mod">
           <ac:chgData name="Hyatt, Jacob E CDT 2025" userId="8b9d417a-8c46-4136-87d3-9b6e2d7ca5cb" providerId="ADAL" clId="{57D20BCF-DB8D-4DFA-8D3C-4A52695BE2FB}" dt="2024-11-06T01:06:16.840" v="2" actId="14100"/>
           <ac:spMkLst>
             <pc:docMk/>
             <pc:sldMk cId="2696109715" sldId="378"/>
             <ac:spMk id="19" creationId="{B39E9699-E8DA-1386-A061-0CF82357C412}"/>
+          </ac:spMkLst>
+        </pc:spChg>
+        <pc:spChg chg="add mod">
+          <ac:chgData name="Hyatt, Jacob E CDT 2025" userId="8b9d417a-8c46-4136-87d3-9b6e2d7ca5cb" providerId="ADAL" clId="{57D20BCF-DB8D-4DFA-8D3C-4A52695BE2FB}" dt="2024-11-08T18:27:27.903" v="1263"/>
+          <ac:spMkLst>
+            <pc:docMk/>
+            <pc:sldMk cId="2696109715" sldId="378"/>
+            <ac:spMk id="19" creationId="{BE83BF62-62A9-3E33-DA97-E5BA37E4566B}"/>
+          </ac:spMkLst>
+        </pc:spChg>
+        <pc:spChg chg="add mod">
+          <ac:chgData name="Hyatt, Jacob E CDT 2025" userId="8b9d417a-8c46-4136-87d3-9b6e2d7ca5cb" providerId="ADAL" clId="{57D20BCF-DB8D-4DFA-8D3C-4A52695BE2FB}" dt="2024-11-08T18:27:27.903" v="1263"/>
+          <ac:spMkLst>
+            <pc:docMk/>
+            <pc:sldMk cId="2696109715" sldId="378"/>
+            <ac:spMk id="20" creationId="{5D5F60F9-7578-501C-6CAF-03EC71E7DE54}"/>
           </ac:spMkLst>
         </pc:spChg>
         <pc:spChg chg="add mod">
@@ -273,6 +369,30 @@
           </ac:spMkLst>
         </pc:spChg>
         <pc:spChg chg="add mod">
+          <ac:chgData name="Hyatt, Jacob E CDT 2025" userId="8b9d417a-8c46-4136-87d3-9b6e2d7ca5cb" providerId="ADAL" clId="{57D20BCF-DB8D-4DFA-8D3C-4A52695BE2FB}" dt="2024-11-08T18:27:27.903" v="1263"/>
+          <ac:spMkLst>
+            <pc:docMk/>
+            <pc:sldMk cId="2696109715" sldId="378"/>
+            <ac:spMk id="21" creationId="{FC7E6666-368A-9E84-A70F-F0BB7B010096}"/>
+          </ac:spMkLst>
+        </pc:spChg>
+        <pc:spChg chg="add mod">
+          <ac:chgData name="Hyatt, Jacob E CDT 2025" userId="8b9d417a-8c46-4136-87d3-9b6e2d7ca5cb" providerId="ADAL" clId="{57D20BCF-DB8D-4DFA-8D3C-4A52695BE2FB}" dt="2024-11-08T18:27:27.903" v="1263"/>
+          <ac:spMkLst>
+            <pc:docMk/>
+            <pc:sldMk cId="2696109715" sldId="378"/>
+            <ac:spMk id="22" creationId="{C61B2A88-C0F7-0617-98CC-96D9967CD582}"/>
+          </ac:spMkLst>
+        </pc:spChg>
+        <pc:spChg chg="add mod">
+          <ac:chgData name="Hyatt, Jacob E CDT 2025" userId="8b9d417a-8c46-4136-87d3-9b6e2d7ca5cb" providerId="ADAL" clId="{57D20BCF-DB8D-4DFA-8D3C-4A52695BE2FB}" dt="2024-11-08T18:27:27.903" v="1263"/>
+          <ac:spMkLst>
+            <pc:docMk/>
+            <pc:sldMk cId="2696109715" sldId="378"/>
+            <ac:spMk id="23" creationId="{9978CD4D-9657-ECD1-E839-FAAA1F5C24F4}"/>
+          </ac:spMkLst>
+        </pc:spChg>
+        <pc:spChg chg="add mod">
           <ac:chgData name="Hyatt, Jacob E CDT 2025" userId="8b9d417a-8c46-4136-87d3-9b6e2d7ca5cb" providerId="ADAL" clId="{57D20BCF-DB8D-4DFA-8D3C-4A52695BE2FB}" dt="2024-11-06T01:06:16.840" v="2" actId="14100"/>
           <ac:spMkLst>
             <pc:docMk/>
@@ -281,27 +401,67 @@
           </ac:spMkLst>
         </pc:spChg>
         <pc:spChg chg="add mod">
-          <ac:chgData name="Hyatt, Jacob E CDT 2025" userId="8b9d417a-8c46-4136-87d3-9b6e2d7ca5cb" providerId="ADAL" clId="{57D20BCF-DB8D-4DFA-8D3C-4A52695BE2FB}" dt="2024-11-06T02:47:52.682" v="1197" actId="404"/>
+          <ac:chgData name="Hyatt, Jacob E CDT 2025" userId="8b9d417a-8c46-4136-87d3-9b6e2d7ca5cb" providerId="ADAL" clId="{57D20BCF-DB8D-4DFA-8D3C-4A52695BE2FB}" dt="2024-11-08T18:27:27.903" v="1263"/>
+          <ac:spMkLst>
+            <pc:docMk/>
+            <pc:sldMk cId="2696109715" sldId="378"/>
+            <ac:spMk id="24" creationId="{2E2C59F9-1564-9481-7EE1-0EDCB16CE3BC}"/>
+          </ac:spMkLst>
+        </pc:spChg>
+        <pc:spChg chg="add mod">
+          <ac:chgData name="Hyatt, Jacob E CDT 2025" userId="8b9d417a-8c46-4136-87d3-9b6e2d7ca5cb" providerId="ADAL" clId="{57D20BCF-DB8D-4DFA-8D3C-4A52695BE2FB}" dt="2024-11-08T18:27:27.903" v="1263"/>
+          <ac:spMkLst>
+            <pc:docMk/>
+            <pc:sldMk cId="2696109715" sldId="378"/>
+            <ac:spMk id="25" creationId="{6E85D5D5-22DD-382C-1925-578E57CAB906}"/>
+          </ac:spMkLst>
+        </pc:spChg>
+        <pc:spChg chg="add mod">
+          <ac:chgData name="Hyatt, Jacob E CDT 2025" userId="8b9d417a-8c46-4136-87d3-9b6e2d7ca5cb" providerId="ADAL" clId="{57D20BCF-DB8D-4DFA-8D3C-4A52695BE2FB}" dt="2024-11-08T18:27:27.903" v="1263"/>
+          <ac:spMkLst>
+            <pc:docMk/>
+            <pc:sldMk cId="2696109715" sldId="378"/>
+            <ac:spMk id="26" creationId="{CE591EE0-A976-C34B-900C-FF7AA74771C6}"/>
+          </ac:spMkLst>
+        </pc:spChg>
+        <pc:spChg chg="add mod">
+          <ac:chgData name="Hyatt, Jacob E CDT 2025" userId="8b9d417a-8c46-4136-87d3-9b6e2d7ca5cb" providerId="ADAL" clId="{57D20BCF-DB8D-4DFA-8D3C-4A52695BE2FB}" dt="2024-11-08T18:27:27.903" v="1263"/>
+          <ac:spMkLst>
+            <pc:docMk/>
+            <pc:sldMk cId="2696109715" sldId="378"/>
+            <ac:spMk id="27" creationId="{30F9252D-C43B-C53E-95DC-AAF3272DEDD2}"/>
+          </ac:spMkLst>
+        </pc:spChg>
+        <pc:spChg chg="add del mod">
+          <ac:chgData name="Hyatt, Jacob E CDT 2025" userId="8b9d417a-8c46-4136-87d3-9b6e2d7ca5cb" providerId="ADAL" clId="{57D20BCF-DB8D-4DFA-8D3C-4A52695BE2FB}" dt="2024-11-15T01:19:51.754" v="1273" actId="21"/>
           <ac:spMkLst>
             <pc:docMk/>
             <pc:sldMk cId="2696109715" sldId="378"/>
             <ac:spMk id="28" creationId="{283B2FA9-FF50-B9B8-6AE9-85782824ABBC}"/>
           </ac:spMkLst>
         </pc:spChg>
-        <pc:spChg chg="add mod">
-          <ac:chgData name="Hyatt, Jacob E CDT 2025" userId="8b9d417a-8c46-4136-87d3-9b6e2d7ca5cb" providerId="ADAL" clId="{57D20BCF-DB8D-4DFA-8D3C-4A52695BE2FB}" dt="2024-11-06T02:49:51.043" v="1224" actId="20577"/>
+        <pc:spChg chg="add del mod">
+          <ac:chgData name="Hyatt, Jacob E CDT 2025" userId="8b9d417a-8c46-4136-87d3-9b6e2d7ca5cb" providerId="ADAL" clId="{57D20BCF-DB8D-4DFA-8D3C-4A52695BE2FB}" dt="2024-11-15T01:20:21.591" v="1275" actId="21"/>
           <ac:spMkLst>
             <pc:docMk/>
             <pc:sldMk cId="2696109715" sldId="378"/>
             <ac:spMk id="29" creationId="{71EB6183-3783-6C14-EE5D-4531B6AD9509}"/>
           </ac:spMkLst>
         </pc:spChg>
-        <pc:spChg chg="add mod">
-          <ac:chgData name="Hyatt, Jacob E CDT 2025" userId="8b9d417a-8c46-4136-87d3-9b6e2d7ca5cb" providerId="ADAL" clId="{57D20BCF-DB8D-4DFA-8D3C-4A52695BE2FB}" dt="2024-11-06T02:46:24.926" v="1177" actId="20577"/>
+        <pc:spChg chg="add mod ord">
+          <ac:chgData name="Hyatt, Jacob E CDT 2025" userId="8b9d417a-8c46-4136-87d3-9b6e2d7ca5cb" providerId="ADAL" clId="{57D20BCF-DB8D-4DFA-8D3C-4A52695BE2FB}" dt="2024-11-15T01:23:41.663" v="1276" actId="167"/>
           <ac:spMkLst>
             <pc:docMk/>
             <pc:sldMk cId="2696109715" sldId="378"/>
             <ac:spMk id="30" creationId="{687E8BDB-1153-CDA9-3FFD-C83409C9320D}"/>
+          </ac:spMkLst>
+        </pc:spChg>
+        <pc:spChg chg="add mod">
+          <ac:chgData name="Hyatt, Jacob E CDT 2025" userId="8b9d417a-8c46-4136-87d3-9b6e2d7ca5cb" providerId="ADAL" clId="{57D20BCF-DB8D-4DFA-8D3C-4A52695BE2FB}" dt="2024-11-08T18:27:27.903" v="1263"/>
+          <ac:spMkLst>
+            <pc:docMk/>
+            <pc:sldMk cId="2696109715" sldId="378"/>
+            <ac:spMk id="31" creationId="{D49336B8-35EA-CEB7-13DE-6D5913106E93}"/>
           </ac:spMkLst>
         </pc:spChg>
         <pc:spChg chg="add del mod">
@@ -313,11 +473,35 @@
           </ac:spMkLst>
         </pc:spChg>
         <pc:spChg chg="add mod">
+          <ac:chgData name="Hyatt, Jacob E CDT 2025" userId="8b9d417a-8c46-4136-87d3-9b6e2d7ca5cb" providerId="ADAL" clId="{57D20BCF-DB8D-4DFA-8D3C-4A52695BE2FB}" dt="2024-11-08T18:27:27.903" v="1263"/>
+          <ac:spMkLst>
+            <pc:docMk/>
+            <pc:sldMk cId="2696109715" sldId="378"/>
+            <ac:spMk id="32" creationId="{E0F35746-0CAA-5673-7CF4-72538499D37B}"/>
+          </ac:spMkLst>
+        </pc:spChg>
+        <pc:spChg chg="add mod">
+          <ac:chgData name="Hyatt, Jacob E CDT 2025" userId="8b9d417a-8c46-4136-87d3-9b6e2d7ca5cb" providerId="ADAL" clId="{57D20BCF-DB8D-4DFA-8D3C-4A52695BE2FB}" dt="2024-11-08T18:27:27.903" v="1263"/>
+          <ac:spMkLst>
+            <pc:docMk/>
+            <pc:sldMk cId="2696109715" sldId="378"/>
+            <ac:spMk id="34" creationId="{72013AD4-B06E-DEE7-9B5F-0548F1DC601F}"/>
+          </ac:spMkLst>
+        </pc:spChg>
+        <pc:spChg chg="add mod">
           <ac:chgData name="Hyatt, Jacob E CDT 2025" userId="8b9d417a-8c46-4136-87d3-9b6e2d7ca5cb" providerId="ADAL" clId="{57D20BCF-DB8D-4DFA-8D3C-4A52695BE2FB}" dt="2024-11-06T02:18:07.972" v="584" actId="1076"/>
           <ac:spMkLst>
             <pc:docMk/>
             <pc:sldMk cId="2696109715" sldId="378"/>
             <ac:spMk id="34" creationId="{E8FA38DD-BD68-4A1B-6B0A-5667F93D66AB}"/>
+          </ac:spMkLst>
+        </pc:spChg>
+        <pc:spChg chg="add mod">
+          <ac:chgData name="Hyatt, Jacob E CDT 2025" userId="8b9d417a-8c46-4136-87d3-9b6e2d7ca5cb" providerId="ADAL" clId="{57D20BCF-DB8D-4DFA-8D3C-4A52695BE2FB}" dt="2024-11-08T18:27:27.903" v="1263"/>
+          <ac:spMkLst>
+            <pc:docMk/>
+            <pc:sldMk cId="2696109715" sldId="378"/>
+            <ac:spMk id="35" creationId="{48184CA1-54AD-9EFA-AD20-6C85AF3A52AA}"/>
           </ac:spMkLst>
         </pc:spChg>
         <pc:spChg chg="add mod">
@@ -337,6 +521,22 @@
           </ac:spMkLst>
         </pc:spChg>
         <pc:spChg chg="add mod">
+          <ac:chgData name="Hyatt, Jacob E CDT 2025" userId="8b9d417a-8c46-4136-87d3-9b6e2d7ca5cb" providerId="ADAL" clId="{57D20BCF-DB8D-4DFA-8D3C-4A52695BE2FB}" dt="2024-11-08T18:27:27.903" v="1263"/>
+          <ac:spMkLst>
+            <pc:docMk/>
+            <pc:sldMk cId="2696109715" sldId="378"/>
+            <ac:spMk id="36" creationId="{4E3A31C8-441F-83A1-0B04-39A3EB45FFAD}"/>
+          </ac:spMkLst>
+        </pc:spChg>
+        <pc:spChg chg="add mod">
+          <ac:chgData name="Hyatt, Jacob E CDT 2025" userId="8b9d417a-8c46-4136-87d3-9b6e2d7ca5cb" providerId="ADAL" clId="{57D20BCF-DB8D-4DFA-8D3C-4A52695BE2FB}" dt="2024-11-08T18:27:27.903" v="1263"/>
+          <ac:spMkLst>
+            <pc:docMk/>
+            <pc:sldMk cId="2696109715" sldId="378"/>
+            <ac:spMk id="37" creationId="{2BCBF2B2-734F-6E50-A933-B0CE36DCCD7D}"/>
+          </ac:spMkLst>
+        </pc:spChg>
+        <pc:spChg chg="add mod">
           <ac:chgData name="Hyatt, Jacob E CDT 2025" userId="8b9d417a-8c46-4136-87d3-9b6e2d7ca5cb" providerId="ADAL" clId="{57D20BCF-DB8D-4DFA-8D3C-4A52695BE2FB}" dt="2024-11-06T02:18:07.972" v="584" actId="1076"/>
           <ac:spMkLst>
             <pc:docMk/>
@@ -353,11 +553,35 @@
           </ac:spMkLst>
         </pc:spChg>
         <pc:spChg chg="add mod">
+          <ac:chgData name="Hyatt, Jacob E CDT 2025" userId="8b9d417a-8c46-4136-87d3-9b6e2d7ca5cb" providerId="ADAL" clId="{57D20BCF-DB8D-4DFA-8D3C-4A52695BE2FB}" dt="2024-11-08T18:27:27.903" v="1263"/>
+          <ac:spMkLst>
+            <pc:docMk/>
+            <pc:sldMk cId="2696109715" sldId="378"/>
+            <ac:spMk id="38" creationId="{2575AE37-3F11-EA92-0F1D-5FC8BDF00548}"/>
+          </ac:spMkLst>
+        </pc:spChg>
+        <pc:spChg chg="add mod">
+          <ac:chgData name="Hyatt, Jacob E CDT 2025" userId="8b9d417a-8c46-4136-87d3-9b6e2d7ca5cb" providerId="ADAL" clId="{57D20BCF-DB8D-4DFA-8D3C-4A52695BE2FB}" dt="2024-11-08T18:27:27.903" v="1263"/>
+          <ac:spMkLst>
+            <pc:docMk/>
+            <pc:sldMk cId="2696109715" sldId="378"/>
+            <ac:spMk id="39" creationId="{3A6800F5-B4FF-A245-4F40-61F29A8BB54B}"/>
+          </ac:spMkLst>
+        </pc:spChg>
+        <pc:spChg chg="add mod">
           <ac:chgData name="Hyatt, Jacob E CDT 2025" userId="8b9d417a-8c46-4136-87d3-9b6e2d7ca5cb" providerId="ADAL" clId="{57D20BCF-DB8D-4DFA-8D3C-4A52695BE2FB}" dt="2024-11-06T02:18:07.972" v="584" actId="1076"/>
           <ac:spMkLst>
             <pc:docMk/>
             <pc:sldMk cId="2696109715" sldId="378"/>
             <ac:spMk id="39" creationId="{7361C859-51B6-50E6-1DA1-FE69C5F75F64}"/>
+          </ac:spMkLst>
+        </pc:spChg>
+        <pc:spChg chg="add mod">
+          <ac:chgData name="Hyatt, Jacob E CDT 2025" userId="8b9d417a-8c46-4136-87d3-9b6e2d7ca5cb" providerId="ADAL" clId="{57D20BCF-DB8D-4DFA-8D3C-4A52695BE2FB}" dt="2024-11-08T18:27:27.903" v="1263"/>
+          <ac:spMkLst>
+            <pc:docMk/>
+            <pc:sldMk cId="2696109715" sldId="378"/>
+            <ac:spMk id="40" creationId="{11222E52-9A2B-9037-E320-B8419A8FEBBE}"/>
           </ac:spMkLst>
         </pc:spChg>
         <pc:spChg chg="add mod">
@@ -377,6 +601,14 @@
           </ac:spMkLst>
         </pc:spChg>
         <pc:spChg chg="add mod">
+          <ac:chgData name="Hyatt, Jacob E CDT 2025" userId="8b9d417a-8c46-4136-87d3-9b6e2d7ca5cb" providerId="ADAL" clId="{57D20BCF-DB8D-4DFA-8D3C-4A52695BE2FB}" dt="2024-11-08T18:27:27.903" v="1263"/>
+          <ac:spMkLst>
+            <pc:docMk/>
+            <pc:sldMk cId="2696109715" sldId="378"/>
+            <ac:spMk id="41" creationId="{FB0501FC-D070-2A9A-82CF-318EA48FE02A}"/>
+          </ac:spMkLst>
+        </pc:spChg>
+        <pc:spChg chg="add mod">
           <ac:chgData name="Hyatt, Jacob E CDT 2025" userId="8b9d417a-8c46-4136-87d3-9b6e2d7ca5cb" providerId="ADAL" clId="{57D20BCF-DB8D-4DFA-8D3C-4A52695BE2FB}" dt="2024-11-06T02:18:07.972" v="584" actId="1076"/>
           <ac:spMkLst>
             <pc:docMk/>
@@ -385,11 +617,35 @@
           </ac:spMkLst>
         </pc:spChg>
         <pc:spChg chg="add mod">
+          <ac:chgData name="Hyatt, Jacob E CDT 2025" userId="8b9d417a-8c46-4136-87d3-9b6e2d7ca5cb" providerId="ADAL" clId="{57D20BCF-DB8D-4DFA-8D3C-4A52695BE2FB}" dt="2024-11-08T18:27:27.903" v="1263"/>
+          <ac:spMkLst>
+            <pc:docMk/>
+            <pc:sldMk cId="2696109715" sldId="378"/>
+            <ac:spMk id="42" creationId="{DFBA09AC-865D-F1A6-9AA8-02F891130EE0}"/>
+          </ac:spMkLst>
+        </pc:spChg>
+        <pc:spChg chg="add mod">
           <ac:chgData name="Hyatt, Jacob E CDT 2025" userId="8b9d417a-8c46-4136-87d3-9b6e2d7ca5cb" providerId="ADAL" clId="{57D20BCF-DB8D-4DFA-8D3C-4A52695BE2FB}" dt="2024-11-06T02:18:07.972" v="584" actId="1076"/>
           <ac:spMkLst>
             <pc:docMk/>
             <pc:sldMk cId="2696109715" sldId="378"/>
             <ac:spMk id="43" creationId="{580CDC22-B529-F683-C2EF-0E162D931357}"/>
+          </ac:spMkLst>
+        </pc:spChg>
+        <pc:spChg chg="add mod">
+          <ac:chgData name="Hyatt, Jacob E CDT 2025" userId="8b9d417a-8c46-4136-87d3-9b6e2d7ca5cb" providerId="ADAL" clId="{57D20BCF-DB8D-4DFA-8D3C-4A52695BE2FB}" dt="2024-11-08T18:27:27.903" v="1263"/>
+          <ac:spMkLst>
+            <pc:docMk/>
+            <pc:sldMk cId="2696109715" sldId="378"/>
+            <ac:spMk id="43" creationId="{7935346B-3698-1CE7-8C55-50D8235621EF}"/>
+          </ac:spMkLst>
+        </pc:spChg>
+        <pc:spChg chg="add mod">
+          <ac:chgData name="Hyatt, Jacob E CDT 2025" userId="8b9d417a-8c46-4136-87d3-9b6e2d7ca5cb" providerId="ADAL" clId="{57D20BCF-DB8D-4DFA-8D3C-4A52695BE2FB}" dt="2024-11-08T18:27:27.903" v="1263"/>
+          <ac:spMkLst>
+            <pc:docMk/>
+            <pc:sldMk cId="2696109715" sldId="378"/>
+            <ac:spMk id="44" creationId="{20EF41BA-5199-644D-67F3-F3CCEC0A8D74}"/>
           </ac:spMkLst>
         </pc:spChg>
         <pc:spChg chg="add mod">
@@ -409,11 +665,35 @@
           </ac:spMkLst>
         </pc:spChg>
         <pc:spChg chg="add mod">
+          <ac:chgData name="Hyatt, Jacob E CDT 2025" userId="8b9d417a-8c46-4136-87d3-9b6e2d7ca5cb" providerId="ADAL" clId="{57D20BCF-DB8D-4DFA-8D3C-4A52695BE2FB}" dt="2024-11-08T18:27:27.903" v="1263"/>
+          <ac:spMkLst>
+            <pc:docMk/>
+            <pc:sldMk cId="2696109715" sldId="378"/>
+            <ac:spMk id="45" creationId="{37A33938-DA6E-CAD7-5359-D7AFC3C8F549}"/>
+          </ac:spMkLst>
+        </pc:spChg>
+        <pc:spChg chg="add mod">
+          <ac:chgData name="Hyatt, Jacob E CDT 2025" userId="8b9d417a-8c46-4136-87d3-9b6e2d7ca5cb" providerId="ADAL" clId="{57D20BCF-DB8D-4DFA-8D3C-4A52695BE2FB}" dt="2024-11-08T18:27:27.903" v="1263"/>
+          <ac:spMkLst>
+            <pc:docMk/>
+            <pc:sldMk cId="2696109715" sldId="378"/>
+            <ac:spMk id="46" creationId="{94BA07AB-28BD-7AE9-9011-E53F9AB58E59}"/>
+          </ac:spMkLst>
+        </pc:spChg>
+        <pc:spChg chg="add mod">
           <ac:chgData name="Hyatt, Jacob E CDT 2025" userId="8b9d417a-8c46-4136-87d3-9b6e2d7ca5cb" providerId="ADAL" clId="{57D20BCF-DB8D-4DFA-8D3C-4A52695BE2FB}" dt="2024-11-06T02:18:07.972" v="584" actId="1076"/>
           <ac:spMkLst>
             <pc:docMk/>
             <pc:sldMk cId="2696109715" sldId="378"/>
             <ac:spMk id="46" creationId="{E32617A4-DE45-4348-0CBC-8CF6E572AF03}"/>
+          </ac:spMkLst>
+        </pc:spChg>
+        <pc:spChg chg="add mod">
+          <ac:chgData name="Hyatt, Jacob E CDT 2025" userId="8b9d417a-8c46-4136-87d3-9b6e2d7ca5cb" providerId="ADAL" clId="{57D20BCF-DB8D-4DFA-8D3C-4A52695BE2FB}" dt="2024-11-08T18:27:27.903" v="1263"/>
+          <ac:spMkLst>
+            <pc:docMk/>
+            <pc:sldMk cId="2696109715" sldId="378"/>
+            <ac:spMk id="47" creationId="{45593E7B-59DD-E3A2-3CC4-4AAB7A0A20D8}"/>
           </ac:spMkLst>
         </pc:spChg>
         <pc:spChg chg="add mod">
@@ -433,6 +713,22 @@
           </ac:spMkLst>
         </pc:spChg>
         <pc:spChg chg="add mod">
+          <ac:chgData name="Hyatt, Jacob E CDT 2025" userId="8b9d417a-8c46-4136-87d3-9b6e2d7ca5cb" providerId="ADAL" clId="{57D20BCF-DB8D-4DFA-8D3C-4A52695BE2FB}" dt="2024-11-08T18:27:27.903" v="1263"/>
+          <ac:spMkLst>
+            <pc:docMk/>
+            <pc:sldMk cId="2696109715" sldId="378"/>
+            <ac:spMk id="48" creationId="{4B286BCF-187C-E223-40EE-FE024A68B82E}"/>
+          </ac:spMkLst>
+        </pc:spChg>
+        <pc:spChg chg="add mod">
+          <ac:chgData name="Hyatt, Jacob E CDT 2025" userId="8b9d417a-8c46-4136-87d3-9b6e2d7ca5cb" providerId="ADAL" clId="{57D20BCF-DB8D-4DFA-8D3C-4A52695BE2FB}" dt="2024-11-08T18:27:27.903" v="1263"/>
+          <ac:spMkLst>
+            <pc:docMk/>
+            <pc:sldMk cId="2696109715" sldId="378"/>
+            <ac:spMk id="49" creationId="{52A0119F-C6B0-080F-2272-F46E9BB7259E}"/>
+          </ac:spMkLst>
+        </pc:spChg>
+        <pc:spChg chg="add mod">
           <ac:chgData name="Hyatt, Jacob E CDT 2025" userId="8b9d417a-8c46-4136-87d3-9b6e2d7ca5cb" providerId="ADAL" clId="{57D20BCF-DB8D-4DFA-8D3C-4A52695BE2FB}" dt="2024-11-06T02:18:07.972" v="584" actId="1076"/>
           <ac:spMkLst>
             <pc:docMk/>
@@ -449,11 +745,35 @@
           </ac:spMkLst>
         </pc:spChg>
         <pc:spChg chg="add mod">
+          <ac:chgData name="Hyatt, Jacob E CDT 2025" userId="8b9d417a-8c46-4136-87d3-9b6e2d7ca5cb" providerId="ADAL" clId="{57D20BCF-DB8D-4DFA-8D3C-4A52695BE2FB}" dt="2024-11-08T18:27:27.903" v="1263"/>
+          <ac:spMkLst>
+            <pc:docMk/>
+            <pc:sldMk cId="2696109715" sldId="378"/>
+            <ac:spMk id="50" creationId="{B87F1E4D-D36D-C077-47EB-2C510CC0EBEB}"/>
+          </ac:spMkLst>
+        </pc:spChg>
+        <pc:spChg chg="add mod">
+          <ac:chgData name="Hyatt, Jacob E CDT 2025" userId="8b9d417a-8c46-4136-87d3-9b6e2d7ca5cb" providerId="ADAL" clId="{57D20BCF-DB8D-4DFA-8D3C-4A52695BE2FB}" dt="2024-11-08T18:27:27.903" v="1263"/>
+          <ac:spMkLst>
+            <pc:docMk/>
+            <pc:sldMk cId="2696109715" sldId="378"/>
+            <ac:spMk id="51" creationId="{199ED421-71D9-84DB-C60C-B3E571BF9DD4}"/>
+          </ac:spMkLst>
+        </pc:spChg>
+        <pc:spChg chg="add mod">
           <ac:chgData name="Hyatt, Jacob E CDT 2025" userId="8b9d417a-8c46-4136-87d3-9b6e2d7ca5cb" providerId="ADAL" clId="{57D20BCF-DB8D-4DFA-8D3C-4A52695BE2FB}" dt="2024-11-06T02:18:07.972" v="584" actId="1076"/>
           <ac:spMkLst>
             <pc:docMk/>
             <pc:sldMk cId="2696109715" sldId="378"/>
             <ac:spMk id="51" creationId="{40E79296-266B-068B-E0E1-AA48CC1F7744}"/>
+          </ac:spMkLst>
+        </pc:spChg>
+        <pc:spChg chg="add mod">
+          <ac:chgData name="Hyatt, Jacob E CDT 2025" userId="8b9d417a-8c46-4136-87d3-9b6e2d7ca5cb" providerId="ADAL" clId="{57D20BCF-DB8D-4DFA-8D3C-4A52695BE2FB}" dt="2024-11-08T18:27:27.903" v="1263"/>
+          <ac:spMkLst>
+            <pc:docMk/>
+            <pc:sldMk cId="2696109715" sldId="378"/>
+            <ac:spMk id="52" creationId="{57A3D62D-8FAE-9148-357A-F6D7102BBA22}"/>
           </ac:spMkLst>
         </pc:spChg>
         <pc:spChg chg="add mod">
@@ -473,6 +793,22 @@
           </ac:spMkLst>
         </pc:spChg>
         <pc:spChg chg="add mod">
+          <ac:chgData name="Hyatt, Jacob E CDT 2025" userId="8b9d417a-8c46-4136-87d3-9b6e2d7ca5cb" providerId="ADAL" clId="{57D20BCF-DB8D-4DFA-8D3C-4A52695BE2FB}" dt="2024-11-08T18:27:27.903" v="1263"/>
+          <ac:spMkLst>
+            <pc:docMk/>
+            <pc:sldMk cId="2696109715" sldId="378"/>
+            <ac:spMk id="53" creationId="{C489B74C-F13C-BCA8-2295-2A447857D666}"/>
+          </ac:spMkLst>
+        </pc:spChg>
+        <pc:spChg chg="add mod">
+          <ac:chgData name="Hyatt, Jacob E CDT 2025" userId="8b9d417a-8c46-4136-87d3-9b6e2d7ca5cb" providerId="ADAL" clId="{57D20BCF-DB8D-4DFA-8D3C-4A52695BE2FB}" dt="2024-11-08T18:27:27.903" v="1263"/>
+          <ac:spMkLst>
+            <pc:docMk/>
+            <pc:sldMk cId="2696109715" sldId="378"/>
+            <ac:spMk id="54" creationId="{032BDBBC-8CD7-DDE5-4D99-078D79F77520}"/>
+          </ac:spMkLst>
+        </pc:spChg>
+        <pc:spChg chg="add mod">
           <ac:chgData name="Hyatt, Jacob E CDT 2025" userId="8b9d417a-8c46-4136-87d3-9b6e2d7ca5cb" providerId="ADAL" clId="{57D20BCF-DB8D-4DFA-8D3C-4A52695BE2FB}" dt="2024-11-06T02:18:07.972" v="584" actId="1076"/>
           <ac:spMkLst>
             <pc:docMk/>
@@ -489,11 +825,35 @@
           </ac:spMkLst>
         </pc:spChg>
         <pc:spChg chg="add mod">
+          <ac:chgData name="Hyatt, Jacob E CDT 2025" userId="8b9d417a-8c46-4136-87d3-9b6e2d7ca5cb" providerId="ADAL" clId="{57D20BCF-DB8D-4DFA-8D3C-4A52695BE2FB}" dt="2024-11-08T18:27:27.903" v="1263"/>
+          <ac:spMkLst>
+            <pc:docMk/>
+            <pc:sldMk cId="2696109715" sldId="378"/>
+            <ac:spMk id="55" creationId="{96B8E536-7925-15D1-5738-329FB17BA851}"/>
+          </ac:spMkLst>
+        </pc:spChg>
+        <pc:spChg chg="add mod">
+          <ac:chgData name="Hyatt, Jacob E CDT 2025" userId="8b9d417a-8c46-4136-87d3-9b6e2d7ca5cb" providerId="ADAL" clId="{57D20BCF-DB8D-4DFA-8D3C-4A52695BE2FB}" dt="2024-11-08T18:27:27.903" v="1263"/>
+          <ac:spMkLst>
+            <pc:docMk/>
+            <pc:sldMk cId="2696109715" sldId="378"/>
+            <ac:spMk id="56" creationId="{9B31931E-CDCA-A9C4-BF51-8C3E4B033EFA}"/>
+          </ac:spMkLst>
+        </pc:spChg>
+        <pc:spChg chg="add mod">
           <ac:chgData name="Hyatt, Jacob E CDT 2025" userId="8b9d417a-8c46-4136-87d3-9b6e2d7ca5cb" providerId="ADAL" clId="{57D20BCF-DB8D-4DFA-8D3C-4A52695BE2FB}" dt="2024-11-06T02:18:07.972" v="584" actId="1076"/>
           <ac:spMkLst>
             <pc:docMk/>
             <pc:sldMk cId="2696109715" sldId="378"/>
             <ac:spMk id="56" creationId="{9C827B85-6AE3-FFB8-8F66-77587ED06F64}"/>
+          </ac:spMkLst>
+        </pc:spChg>
+        <pc:spChg chg="add mod">
+          <ac:chgData name="Hyatt, Jacob E CDT 2025" userId="8b9d417a-8c46-4136-87d3-9b6e2d7ca5cb" providerId="ADAL" clId="{57D20BCF-DB8D-4DFA-8D3C-4A52695BE2FB}" dt="2024-11-08T18:27:27.903" v="1263"/>
+          <ac:spMkLst>
+            <pc:docMk/>
+            <pc:sldMk cId="2696109715" sldId="378"/>
+            <ac:spMk id="57" creationId="{2DB90C42-018B-6D34-AC21-37533BC74DBD}"/>
           </ac:spMkLst>
         </pc:spChg>
         <pc:spChg chg="add mod">
@@ -513,11 +873,27 @@
           </ac:spMkLst>
         </pc:spChg>
         <pc:spChg chg="add mod">
+          <ac:chgData name="Hyatt, Jacob E CDT 2025" userId="8b9d417a-8c46-4136-87d3-9b6e2d7ca5cb" providerId="ADAL" clId="{57D20BCF-DB8D-4DFA-8D3C-4A52695BE2FB}" dt="2024-11-08T18:27:27.903" v="1263"/>
+          <ac:spMkLst>
+            <pc:docMk/>
+            <pc:sldMk cId="2696109715" sldId="378"/>
+            <ac:spMk id="58" creationId="{9EA5CB9A-8BAC-C63E-43A9-554A89546802}"/>
+          </ac:spMkLst>
+        </pc:spChg>
+        <pc:spChg chg="add mod">
           <ac:chgData name="Hyatt, Jacob E CDT 2025" userId="8b9d417a-8c46-4136-87d3-9b6e2d7ca5cb" providerId="ADAL" clId="{57D20BCF-DB8D-4DFA-8D3C-4A52695BE2FB}" dt="2024-11-06T02:18:07.972" v="584" actId="1076"/>
           <ac:spMkLst>
             <pc:docMk/>
             <pc:sldMk cId="2696109715" sldId="378"/>
             <ac:spMk id="59" creationId="{A8CA288D-DC98-AA79-1225-9E86DFDD8573}"/>
+          </ac:spMkLst>
+        </pc:spChg>
+        <pc:spChg chg="add mod">
+          <ac:chgData name="Hyatt, Jacob E CDT 2025" userId="8b9d417a-8c46-4136-87d3-9b6e2d7ca5cb" providerId="ADAL" clId="{57D20BCF-DB8D-4DFA-8D3C-4A52695BE2FB}" dt="2024-11-08T18:27:27.903" v="1263"/>
+          <ac:spMkLst>
+            <pc:docMk/>
+            <pc:sldMk cId="2696109715" sldId="378"/>
+            <ac:spMk id="59" creationId="{EE79FE5A-B6C1-17B5-B7F5-CB33C3931971}"/>
           </ac:spMkLst>
         </pc:spChg>
         <pc:spChg chg="add mod">
@@ -529,6 +905,14 @@
           </ac:spMkLst>
         </pc:spChg>
         <pc:spChg chg="add mod">
+          <ac:chgData name="Hyatt, Jacob E CDT 2025" userId="8b9d417a-8c46-4136-87d3-9b6e2d7ca5cb" providerId="ADAL" clId="{57D20BCF-DB8D-4DFA-8D3C-4A52695BE2FB}" dt="2024-11-08T18:27:27.903" v="1263"/>
+          <ac:spMkLst>
+            <pc:docMk/>
+            <pc:sldMk cId="2696109715" sldId="378"/>
+            <ac:spMk id="60" creationId="{792C3FF1-0BC7-0EE3-5875-E2E2FA35CF05}"/>
+          </ac:spMkLst>
+        </pc:spChg>
+        <pc:spChg chg="add mod">
           <ac:chgData name="Hyatt, Jacob E CDT 2025" userId="8b9d417a-8c46-4136-87d3-9b6e2d7ca5cb" providerId="ADAL" clId="{57D20BCF-DB8D-4DFA-8D3C-4A52695BE2FB}" dt="2024-11-06T02:18:07.972" v="584" actId="1076"/>
           <ac:spMkLst>
             <pc:docMk/>
@@ -537,11 +921,35 @@
           </ac:spMkLst>
         </pc:spChg>
         <pc:spChg chg="add mod">
+          <ac:chgData name="Hyatt, Jacob E CDT 2025" userId="8b9d417a-8c46-4136-87d3-9b6e2d7ca5cb" providerId="ADAL" clId="{57D20BCF-DB8D-4DFA-8D3C-4A52695BE2FB}" dt="2024-11-08T18:27:27.903" v="1263"/>
+          <ac:spMkLst>
+            <pc:docMk/>
+            <pc:sldMk cId="2696109715" sldId="378"/>
+            <ac:spMk id="61" creationId="{4FCDFFCD-0C05-2A4E-249A-4902EEB218D4}"/>
+          </ac:spMkLst>
+        </pc:spChg>
+        <pc:spChg chg="add mod">
           <ac:chgData name="Hyatt, Jacob E CDT 2025" userId="8b9d417a-8c46-4136-87d3-9b6e2d7ca5cb" providerId="ADAL" clId="{57D20BCF-DB8D-4DFA-8D3C-4A52695BE2FB}" dt="2024-11-06T02:18:07.972" v="584" actId="1076"/>
           <ac:spMkLst>
             <pc:docMk/>
             <pc:sldMk cId="2696109715" sldId="378"/>
             <ac:spMk id="62" creationId="{8CFBB1D4-10E6-F787-65CA-D5D0911E02C5}"/>
+          </ac:spMkLst>
+        </pc:spChg>
+        <pc:spChg chg="add mod">
+          <ac:chgData name="Hyatt, Jacob E CDT 2025" userId="8b9d417a-8c46-4136-87d3-9b6e2d7ca5cb" providerId="ADAL" clId="{57D20BCF-DB8D-4DFA-8D3C-4A52695BE2FB}" dt="2024-11-08T18:27:27.903" v="1263"/>
+          <ac:spMkLst>
+            <pc:docMk/>
+            <pc:sldMk cId="2696109715" sldId="378"/>
+            <ac:spMk id="62" creationId="{A3EC9E93-EB63-A30B-6959-7CF067E422E8}"/>
+          </ac:spMkLst>
+        </pc:spChg>
+        <pc:spChg chg="add mod">
+          <ac:chgData name="Hyatt, Jacob E CDT 2025" userId="8b9d417a-8c46-4136-87d3-9b6e2d7ca5cb" providerId="ADAL" clId="{57D20BCF-DB8D-4DFA-8D3C-4A52695BE2FB}" dt="2024-11-08T18:27:27.903" v="1263"/>
+          <ac:spMkLst>
+            <pc:docMk/>
+            <pc:sldMk cId="2696109715" sldId="378"/>
+            <ac:spMk id="63" creationId="{234F8E4D-5D6F-3C15-7D43-851B7F3CD6A2}"/>
           </ac:spMkLst>
         </pc:spChg>
         <pc:spChg chg="add mod">
@@ -561,6 +969,14 @@
           </ac:spMkLst>
         </pc:spChg>
         <pc:spChg chg="add mod">
+          <ac:chgData name="Hyatt, Jacob E CDT 2025" userId="8b9d417a-8c46-4136-87d3-9b6e2d7ca5cb" providerId="ADAL" clId="{57D20BCF-DB8D-4DFA-8D3C-4A52695BE2FB}" dt="2024-11-08T18:27:27.903" v="1263"/>
+          <ac:spMkLst>
+            <pc:docMk/>
+            <pc:sldMk cId="2696109715" sldId="378"/>
+            <ac:spMk id="64" creationId="{F4BFD8B4-073C-E5B3-7DD6-064946ACE259}"/>
+          </ac:spMkLst>
+        </pc:spChg>
+        <pc:spChg chg="add mod">
           <ac:chgData name="Hyatt, Jacob E CDT 2025" userId="8b9d417a-8c46-4136-87d3-9b6e2d7ca5cb" providerId="ADAL" clId="{57D20BCF-DB8D-4DFA-8D3C-4A52695BE2FB}" dt="2024-11-06T02:18:07.972" v="584" actId="1076"/>
           <ac:spMkLst>
             <pc:docMk/>
@@ -569,11 +985,35 @@
           </ac:spMkLst>
         </pc:spChg>
         <pc:spChg chg="add mod">
+          <ac:chgData name="Hyatt, Jacob E CDT 2025" userId="8b9d417a-8c46-4136-87d3-9b6e2d7ca5cb" providerId="ADAL" clId="{57D20BCF-DB8D-4DFA-8D3C-4A52695BE2FB}" dt="2024-11-08T18:27:27.903" v="1263"/>
+          <ac:spMkLst>
+            <pc:docMk/>
+            <pc:sldMk cId="2696109715" sldId="378"/>
+            <ac:spMk id="65" creationId="{AAEC5212-0F46-8681-D28A-A9674662E6BC}"/>
+          </ac:spMkLst>
+        </pc:spChg>
+        <pc:spChg chg="add mod">
           <ac:chgData name="Hyatt, Jacob E CDT 2025" userId="8b9d417a-8c46-4136-87d3-9b6e2d7ca5cb" providerId="ADAL" clId="{57D20BCF-DB8D-4DFA-8D3C-4A52695BE2FB}" dt="2024-11-06T02:18:07.972" v="584" actId="1076"/>
           <ac:spMkLst>
             <pc:docMk/>
             <pc:sldMk cId="2696109715" sldId="378"/>
             <ac:spMk id="66" creationId="{3F6E47C2-9541-BEC8-8E03-2C3055C089C4}"/>
+          </ac:spMkLst>
+        </pc:spChg>
+        <pc:spChg chg="add mod">
+          <ac:chgData name="Hyatt, Jacob E CDT 2025" userId="8b9d417a-8c46-4136-87d3-9b6e2d7ca5cb" providerId="ADAL" clId="{57D20BCF-DB8D-4DFA-8D3C-4A52695BE2FB}" dt="2024-11-08T18:27:27.903" v="1263"/>
+          <ac:spMkLst>
+            <pc:docMk/>
+            <pc:sldMk cId="2696109715" sldId="378"/>
+            <ac:spMk id="66" creationId="{B07937AB-897C-A1E1-2D9C-9B4B6FFC20CB}"/>
+          </ac:spMkLst>
+        </pc:spChg>
+        <pc:spChg chg="add mod">
+          <ac:chgData name="Hyatt, Jacob E CDT 2025" userId="8b9d417a-8c46-4136-87d3-9b6e2d7ca5cb" providerId="ADAL" clId="{57D20BCF-DB8D-4DFA-8D3C-4A52695BE2FB}" dt="2024-11-08T18:27:27.903" v="1263"/>
+          <ac:spMkLst>
+            <pc:docMk/>
+            <pc:sldMk cId="2696109715" sldId="378"/>
+            <ac:spMk id="67" creationId="{6D2860B2-8005-8EF2-D56D-67EFA519F57C}"/>
           </ac:spMkLst>
         </pc:spChg>
         <pc:spChg chg="add mod">
@@ -688,6 +1128,14 @@
             <ac:grpSpMk id="83" creationId="{122B64E6-00FF-FF7E-2618-EB8BCFA4DA50}"/>
           </ac:grpSpMkLst>
         </pc:grpChg>
+        <pc:picChg chg="add">
+          <ac:chgData name="Hyatt, Jacob E CDT 2025" userId="8b9d417a-8c46-4136-87d3-9b6e2d7ca5cb" providerId="ADAL" clId="{57D20BCF-DB8D-4DFA-8D3C-4A52695BE2FB}" dt="2024-11-08T18:25:51.055" v="1258"/>
+          <ac:picMkLst>
+            <pc:docMk/>
+            <pc:sldMk cId="2696109715" sldId="378"/>
+            <ac:picMk id="8" creationId="{660F2305-2497-B8B5-A6C1-8C8A4DF5E236}"/>
+          </ac:picMkLst>
+        </pc:picChg>
         <pc:picChg chg="add mod">
           <ac:chgData name="Hyatt, Jacob E CDT 2025" userId="8b9d417a-8c46-4136-87d3-9b6e2d7ca5cb" providerId="ADAL" clId="{57D20BCF-DB8D-4DFA-8D3C-4A52695BE2FB}" dt="2024-11-06T01:06:16.840" v="2" actId="14100"/>
           <ac:picMkLst>
@@ -752,8 +1200,16 @@
             <ac:picMk id="33" creationId="{A3DAC901-3048-77F4-8E62-7B12A5955B21}"/>
           </ac:picMkLst>
         </pc:picChg>
-        <pc:picChg chg="add mod">
-          <ac:chgData name="Hyatt, Jacob E CDT 2025" userId="8b9d417a-8c46-4136-87d3-9b6e2d7ca5cb" providerId="ADAL" clId="{57D20BCF-DB8D-4DFA-8D3C-4A52695BE2FB}" dt="2024-11-06T02:47:19.371" v="1191" actId="1076"/>
+        <pc:picChg chg="add">
+          <ac:chgData name="Hyatt, Jacob E CDT 2025" userId="8b9d417a-8c46-4136-87d3-9b6e2d7ca5cb" providerId="ADAL" clId="{57D20BCF-DB8D-4DFA-8D3C-4A52695BE2FB}" dt="2024-11-08T18:27:31.806" v="1264"/>
+          <ac:picMkLst>
+            <pc:docMk/>
+            <pc:sldMk cId="2696109715" sldId="378"/>
+            <ac:picMk id="68" creationId="{FB820FFF-E663-B7A7-1016-90C72C26F3CA}"/>
+          </ac:picMkLst>
+        </pc:picChg>
+        <pc:picChg chg="add del mod">
+          <ac:chgData name="Hyatt, Jacob E CDT 2025" userId="8b9d417a-8c46-4136-87d3-9b6e2d7ca5cb" providerId="ADAL" clId="{57D20BCF-DB8D-4DFA-8D3C-4A52695BE2FB}" dt="2024-11-08T18:26:15.381" v="1262" actId="1076"/>
           <ac:picMkLst>
             <pc:docMk/>
             <pc:sldMk cId="2696109715" sldId="378"/>
@@ -761,7 +1217,7 @@
           </ac:picMkLst>
         </pc:picChg>
         <pc:picChg chg="add mod">
-          <ac:chgData name="Hyatt, Jacob E CDT 2025" userId="8b9d417a-8c46-4136-87d3-9b6e2d7ca5cb" providerId="ADAL" clId="{57D20BCF-DB8D-4DFA-8D3C-4A52695BE2FB}" dt="2024-11-06T02:48:10.127" v="1201" actId="14100"/>
+          <ac:chgData name="Hyatt, Jacob E CDT 2025" userId="8b9d417a-8c46-4136-87d3-9b6e2d7ca5cb" providerId="ADAL" clId="{57D20BCF-DB8D-4DFA-8D3C-4A52695BE2FB}" dt="2024-11-08T18:27:37.738" v="1265" actId="14826"/>
           <ac:picMkLst>
             <pc:docMk/>
             <pc:sldMk cId="2696109715" sldId="378"/>
@@ -890,7 +1346,7 @@
           <a:p>
             <a:fld id="{0DA5FE44-C727-4B44-AC35-D47522042F47}" type="datetimeFigureOut">
               <a:rPr lang="en-US" smtClean="0"/>
-              <a:t>11/5/2024</a:t>
+              <a:t>11/14/2024</a:t>
             </a:fld>
             <a:endParaRPr lang="en-US"/>
           </a:p>
@@ -1083,7 +1539,7 @@
           <a:p>
             <a:fld id="{3B3DACA9-C708-FB41-A6FA-3D94FFC8E73D}" type="datetimeFigureOut">
               <a:rPr lang="en-US" smtClean="0"/>
-              <a:t>11/5/2024</a:t>
+              <a:t>11/14/2024</a:t>
             </a:fld>
             <a:endParaRPr lang="en-US"/>
           </a:p>
@@ -17546,6 +18002,377 @@
           <a:chExt cx="0" cy="0"/>
         </a:xfrm>
       </p:grpSpPr>
+      <p:sp>
+        <p:nvSpPr>
+          <p:cNvPr id="30" name="Rectangle 301">
+            <a:extLst>
+              <a:ext uri="{FF2B5EF4-FFF2-40B4-BE49-F238E27FC236}">
+                <a16:creationId xmlns:a16="http://schemas.microsoft.com/office/drawing/2014/main" id="{687E8BDB-1153-CDA9-3FFD-C83409C9320D}"/>
+              </a:ext>
+            </a:extLst>
+          </p:cNvPr>
+          <p:cNvSpPr txBox="1">
+            <a:spLocks noChangeArrowheads="1"/>
+          </p:cNvSpPr>
+          <p:nvPr/>
+        </p:nvSpPr>
+        <p:spPr>
+          <a:xfrm>
+            <a:off x="24460200" y="5257800"/>
+            <a:ext cx="11229975" cy="18396436"/>
+          </a:xfrm>
+          <a:prstGeom prst="rect">
+            <a:avLst/>
+          </a:prstGeom>
+        </p:spPr>
+        <p:txBody>
+          <a:bodyPr/>
+          <a:lstStyle>
+            <a:lvl1pPr marL="137157" indent="-137157" algn="l" defTabSz="685784" rtl="0" eaLnBrk="1" latinLnBrk="0" hangingPunct="1">
+              <a:lnSpc>
+                <a:spcPct val="95000"/>
+              </a:lnSpc>
+              <a:spcBef>
+                <a:spcPts val="750"/>
+              </a:spcBef>
+              <a:buFont typeface="Arial" panose="020B0604020202020204" pitchFamily="34" charset="0"/>
+              <a:buChar char="▪"/>
+              <a:defRPr sz="1275" kern="1200">
+                <a:solidFill>
+                  <a:schemeClr val="tx1"/>
+                </a:solidFill>
+                <a:latin typeface="+mn-lt"/>
+                <a:ea typeface="+mn-ea"/>
+                <a:cs typeface="+mn-cs"/>
+              </a:defRPr>
+            </a:lvl1pPr>
+            <a:lvl2pPr marL="274313" indent="-137157" algn="l" defTabSz="685784" rtl="0" eaLnBrk="1" latinLnBrk="0" hangingPunct="1">
+              <a:lnSpc>
+                <a:spcPct val="95000"/>
+              </a:lnSpc>
+              <a:spcBef>
+                <a:spcPts val="375"/>
+              </a:spcBef>
+              <a:buFont typeface="Arial" panose="020B0604020202020204" pitchFamily="34" charset="0"/>
+              <a:buChar char="–"/>
+              <a:defRPr sz="1275" kern="1200">
+                <a:solidFill>
+                  <a:schemeClr val="tx1"/>
+                </a:solidFill>
+                <a:latin typeface="+mn-lt"/>
+                <a:ea typeface="+mn-ea"/>
+                <a:cs typeface="+mn-cs"/>
+              </a:defRPr>
+            </a:lvl2pPr>
+            <a:lvl3pPr marL="411470" indent="-137157" algn="l" defTabSz="685784" rtl="0" eaLnBrk="1" latinLnBrk="0" hangingPunct="1">
+              <a:lnSpc>
+                <a:spcPct val="95000"/>
+              </a:lnSpc>
+              <a:spcBef>
+                <a:spcPts val="375"/>
+              </a:spcBef>
+              <a:buFont typeface="Arial" panose="020B0604020202020204" pitchFamily="34" charset="0"/>
+              <a:buChar char="–"/>
+              <a:defRPr sz="1275" kern="1200">
+                <a:solidFill>
+                  <a:schemeClr val="tx1"/>
+                </a:solidFill>
+                <a:latin typeface="+mn-lt"/>
+                <a:ea typeface="+mn-ea"/>
+                <a:cs typeface="+mn-cs"/>
+              </a:defRPr>
+            </a:lvl3pPr>
+            <a:lvl4pPr marL="548627" indent="-137157" algn="l" defTabSz="685784" rtl="0" eaLnBrk="1" latinLnBrk="0" hangingPunct="1">
+              <a:lnSpc>
+                <a:spcPct val="95000"/>
+              </a:lnSpc>
+              <a:spcBef>
+                <a:spcPts val="375"/>
+              </a:spcBef>
+              <a:buFont typeface="Arial" panose="020B0604020202020204" pitchFamily="34" charset="0"/>
+              <a:buChar char="–"/>
+              <a:defRPr sz="1275" kern="1200">
+                <a:solidFill>
+                  <a:schemeClr val="tx1"/>
+                </a:solidFill>
+                <a:latin typeface="+mn-lt"/>
+                <a:ea typeface="+mn-ea"/>
+                <a:cs typeface="+mn-cs"/>
+              </a:defRPr>
+            </a:lvl4pPr>
+            <a:lvl5pPr marL="685784" indent="-137157" algn="l" defTabSz="685784" rtl="0" eaLnBrk="1" latinLnBrk="0" hangingPunct="1">
+              <a:lnSpc>
+                <a:spcPct val="95000"/>
+              </a:lnSpc>
+              <a:spcBef>
+                <a:spcPts val="375"/>
+              </a:spcBef>
+              <a:buFont typeface="Arial" panose="020B0604020202020204" pitchFamily="34" charset="0"/>
+              <a:buChar char="–"/>
+              <a:defRPr sz="1275" kern="1200">
+                <a:solidFill>
+                  <a:schemeClr val="tx1"/>
+                </a:solidFill>
+                <a:latin typeface="+mn-lt"/>
+                <a:ea typeface="+mn-ea"/>
+                <a:cs typeface="+mn-cs"/>
+              </a:defRPr>
+            </a:lvl5pPr>
+            <a:lvl6pPr marL="822939" indent="-137157" algn="l" defTabSz="685784" rtl="0" eaLnBrk="1" latinLnBrk="0" hangingPunct="1">
+              <a:lnSpc>
+                <a:spcPct val="95000"/>
+              </a:lnSpc>
+              <a:spcBef>
+                <a:spcPts val="375"/>
+              </a:spcBef>
+              <a:buFont typeface="Arial" panose="020B0604020202020204" pitchFamily="34" charset="0"/>
+              <a:buChar char="–"/>
+              <a:defRPr sz="1275" kern="1200">
+                <a:solidFill>
+                  <a:schemeClr val="tx1"/>
+                </a:solidFill>
+                <a:latin typeface="+mn-lt"/>
+                <a:ea typeface="+mn-ea"/>
+                <a:cs typeface="+mn-cs"/>
+              </a:defRPr>
+            </a:lvl6pPr>
+            <a:lvl7pPr marL="960096" indent="-137157" algn="l" defTabSz="685784" rtl="0" eaLnBrk="1" latinLnBrk="0" hangingPunct="1">
+              <a:lnSpc>
+                <a:spcPct val="95000"/>
+              </a:lnSpc>
+              <a:spcBef>
+                <a:spcPts val="375"/>
+              </a:spcBef>
+              <a:buFont typeface="Arial" panose="020B0604020202020204" pitchFamily="34" charset="0"/>
+              <a:buChar char="–"/>
+              <a:defRPr sz="1275" kern="1200">
+                <a:solidFill>
+                  <a:schemeClr val="tx1"/>
+                </a:solidFill>
+                <a:latin typeface="+mn-lt"/>
+                <a:ea typeface="+mn-ea"/>
+                <a:cs typeface="+mn-cs"/>
+              </a:defRPr>
+            </a:lvl7pPr>
+            <a:lvl8pPr marL="1097252" indent="-137157" algn="l" defTabSz="685784" rtl="0" eaLnBrk="1" latinLnBrk="0" hangingPunct="1">
+              <a:lnSpc>
+                <a:spcPct val="95000"/>
+              </a:lnSpc>
+              <a:spcBef>
+                <a:spcPts val="375"/>
+              </a:spcBef>
+              <a:buFont typeface="Arial" panose="020B0604020202020204" pitchFamily="34" charset="0"/>
+              <a:buChar char="–"/>
+              <a:defRPr sz="1275" kern="1200">
+                <a:solidFill>
+                  <a:schemeClr val="tx1"/>
+                </a:solidFill>
+                <a:latin typeface="+mn-lt"/>
+                <a:ea typeface="+mn-ea"/>
+                <a:cs typeface="+mn-cs"/>
+              </a:defRPr>
+            </a:lvl8pPr>
+            <a:lvl9pPr marL="1234409" indent="-137157" algn="l" defTabSz="685784" rtl="0" eaLnBrk="1" latinLnBrk="0" hangingPunct="1">
+              <a:lnSpc>
+                <a:spcPct val="95000"/>
+              </a:lnSpc>
+              <a:spcBef>
+                <a:spcPts val="375"/>
+              </a:spcBef>
+              <a:buFont typeface="Arial" panose="020B0604020202020204" pitchFamily="34" charset="0"/>
+              <a:buChar char="–"/>
+              <a:defRPr sz="1275" kern="1200">
+                <a:solidFill>
+                  <a:schemeClr val="tx1"/>
+                </a:solidFill>
+                <a:latin typeface="+mn-lt"/>
+                <a:ea typeface="+mn-ea"/>
+                <a:cs typeface="+mn-cs"/>
+              </a:defRPr>
+            </a:lvl9pPr>
+          </a:lstStyle>
+          <a:p>
+            <a:pPr marL="476250" indent="-476250">
+              <a:buFontTx/>
+              <a:buNone/>
+            </a:pPr>
+            <a:r>
+              <a:rPr lang="en-US" altLang="en-US" sz="4000" b="1" dirty="0"/>
+              <a:t>Results</a:t>
+            </a:r>
+          </a:p>
+          <a:p>
+            <a:pPr marL="476250" indent="-476250">
+              <a:buFontTx/>
+              <a:buNone/>
+            </a:pPr>
+            <a:endParaRPr lang="en-US" altLang="en-US" sz="4000" b="1" dirty="0"/>
+          </a:p>
+          <a:p>
+            <a:pPr marL="476250" indent="-476250">
+              <a:buFontTx/>
+              <a:buNone/>
+            </a:pPr>
+            <a:endParaRPr lang="en-US" altLang="en-US" sz="4000" b="1" dirty="0"/>
+          </a:p>
+          <a:p>
+            <a:pPr marL="476250" indent="-476250">
+              <a:buFontTx/>
+              <a:buNone/>
+            </a:pPr>
+            <a:endParaRPr lang="en-US" altLang="en-US" sz="4000" b="1" dirty="0"/>
+          </a:p>
+          <a:p>
+            <a:pPr marL="476250" indent="-476250">
+              <a:buFontTx/>
+              <a:buNone/>
+            </a:pPr>
+            <a:endParaRPr lang="en-US" altLang="en-US" sz="4000" b="1" dirty="0"/>
+          </a:p>
+          <a:p>
+            <a:pPr marL="476250" indent="-476250">
+              <a:buFontTx/>
+              <a:buNone/>
+            </a:pPr>
+            <a:endParaRPr lang="en-US" altLang="en-US" sz="4000" b="1" dirty="0"/>
+          </a:p>
+          <a:p>
+            <a:pPr marL="476250" indent="-476250">
+              <a:buFontTx/>
+              <a:buNone/>
+            </a:pPr>
+            <a:endParaRPr lang="en-US" altLang="en-US" sz="4000" b="1" dirty="0"/>
+          </a:p>
+          <a:p>
+            <a:pPr marL="476250" indent="-476250">
+              <a:buFontTx/>
+              <a:buNone/>
+            </a:pPr>
+            <a:endParaRPr lang="en-US" altLang="en-US" sz="4000" b="1" dirty="0"/>
+          </a:p>
+          <a:p>
+            <a:pPr marL="476250" indent="-476250">
+              <a:buFontTx/>
+              <a:buNone/>
+            </a:pPr>
+            <a:endParaRPr lang="en-US" altLang="en-US" sz="4000" b="1" dirty="0"/>
+          </a:p>
+          <a:p>
+            <a:pPr marL="476250" indent="-476250">
+              <a:buFontTx/>
+              <a:buNone/>
+            </a:pPr>
+            <a:endParaRPr lang="en-US" altLang="en-US" sz="4000" b="1" dirty="0"/>
+          </a:p>
+          <a:p>
+            <a:pPr marL="476250" indent="-476250">
+              <a:buFontTx/>
+              <a:buNone/>
+            </a:pPr>
+            <a:endParaRPr lang="en-US" altLang="en-US" sz="4000" b="1" dirty="0"/>
+          </a:p>
+          <a:p>
+            <a:pPr marL="476250" indent="-476250"/>
+            <a:endParaRPr lang="en-US" altLang="en-US" sz="2400" dirty="0"/>
+          </a:p>
+          <a:p>
+            <a:pPr marL="476250" indent="-476250"/>
+            <a:endParaRPr lang="en-US" altLang="en-US" sz="2400" dirty="0"/>
+          </a:p>
+          <a:p>
+            <a:pPr marL="476250" indent="-476250"/>
+            <a:endParaRPr lang="en-US" altLang="en-US" sz="2400" dirty="0"/>
+          </a:p>
+          <a:p>
+            <a:pPr marL="476250" indent="-476250"/>
+            <a:endParaRPr lang="en-US" altLang="en-US" sz="2400" dirty="0"/>
+          </a:p>
+          <a:p>
+            <a:pPr marL="476250" indent="-476250"/>
+            <a:endParaRPr lang="en-US" altLang="en-US" sz="2400" dirty="0"/>
+          </a:p>
+          <a:p>
+            <a:pPr marL="476250" indent="-476250"/>
+            <a:endParaRPr lang="en-US" altLang="en-US" sz="2400" dirty="0"/>
+          </a:p>
+          <a:p>
+            <a:pPr marL="476250" indent="-476250"/>
+            <a:endParaRPr lang="en-US" altLang="en-US" sz="2400" dirty="0"/>
+          </a:p>
+          <a:p>
+            <a:pPr marL="0" indent="0" algn="ctr">
+              <a:buFont typeface="Arial" panose="020B0604020202020204" pitchFamily="34" charset="0"/>
+              <a:buNone/>
+            </a:pPr>
+            <a:endParaRPr lang="en-US" altLang="en-US" sz="3200" dirty="0">
+              <a:latin typeface="+mj-lt"/>
+            </a:endParaRPr>
+          </a:p>
+          <a:p>
+            <a:pPr marL="0" indent="0" algn="ctr">
+              <a:buFont typeface="Arial" panose="020B0604020202020204" pitchFamily="34" charset="0"/>
+              <a:buNone/>
+            </a:pPr>
+            <a:r>
+              <a:rPr lang="en-US" altLang="en-US" sz="3200" dirty="0">
+                <a:latin typeface="+mj-lt"/>
+              </a:rPr>
+              <a:t>Fig 3. Routes with different objective weights</a:t>
+            </a:r>
+            <a:endParaRPr lang="en-US" altLang="en-US" sz="4000" b="1" dirty="0"/>
+          </a:p>
+          <a:p>
+            <a:pPr marL="476250" indent="-476250">
+              <a:buFontTx/>
+              <a:buNone/>
+            </a:pPr>
+            <a:r>
+              <a:rPr lang="en-US" altLang="en-US" sz="4000" b="1" dirty="0"/>
+              <a:t>Conclusion</a:t>
+            </a:r>
+          </a:p>
+          <a:p>
+            <a:pPr marL="476250" indent="-476250">
+              <a:buFontTx/>
+              <a:buNone/>
+            </a:pPr>
+            <a:r>
+              <a:rPr lang="en-US" altLang="en-US" sz="4000" b="1" dirty="0"/>
+              <a:t>	</a:t>
+            </a:r>
+            <a:r>
+              <a:rPr lang="en-US" altLang="en-US" sz="2800" dirty="0"/>
+              <a:t>The generated paths allow for three distinct options for a commander to  choose from. The path solely minimizing energy consumption goes directly through an enemy, while the path minimizing solely detection consumes more energy and takes a more round about path. Allowing for the customization of weights for both detection and energy consumption allows for a pareto frontier of decisions a commander can make. </a:t>
+            </a:r>
+          </a:p>
+          <a:p>
+            <a:pPr marL="476250" indent="-476250">
+              <a:buFontTx/>
+              <a:buNone/>
+            </a:pPr>
+            <a:endParaRPr lang="en-US" altLang="en-US" sz="2400" dirty="0"/>
+          </a:p>
+          <a:p>
+            <a:pPr marL="476250" indent="-476250">
+              <a:buFontTx/>
+              <a:buNone/>
+            </a:pPr>
+            <a:r>
+              <a:rPr lang="en-US" altLang="en-US" sz="4000" b="1" dirty="0"/>
+              <a:t>References</a:t>
+            </a:r>
+          </a:p>
+          <a:p>
+            <a:pPr marL="1024877" lvl="4" indent="-476250">
+              <a:buNone/>
+            </a:pPr>
+            <a:r>
+              <a:rPr lang="en-US" altLang="en-US" sz="2800" dirty="0"/>
+              <a:t>Kendall, Thomas P., Daniel T. Killian, and Matthew J. Koch. "Optimized Tactical Route Planning." Military Operations Research Journal 28, no. 4 (2023): 5-21.</a:t>
+            </a:r>
+          </a:p>
+        </p:txBody>
+      </p:sp>
       <p:grpSp>
         <p:nvGrpSpPr>
           <p:cNvPr id="83" name="Group 82">
@@ -18226,7 +19053,7 @@
             </a:pPr>
             <a:r>
               <a:rPr lang="en-US" altLang="en-US" sz="3200" dirty="0"/>
-              <a:t>Fig 1. Previous Methods for Human</a:t>
+              <a:t>Fig 1. Previous methods for human</a:t>
             </a:r>
             <a:endParaRPr lang="en-US" altLang="en-US" sz="2000" b="1" dirty="0"/>
           </a:p>
@@ -18256,8 +19083,8 @@
           </a:p>
         </p:txBody>
       </p:sp>
-      <mc:AlternateContent xmlns:mc="http://schemas.openxmlformats.org/markup-compatibility/2006">
-        <mc:Choice xmlns:a14="http://schemas.microsoft.com/office/drawing/2010/main" Requires="a14">
+      <mc:AlternateContent xmlns:mc="http://schemas.openxmlformats.org/markup-compatibility/2006" xmlns:a14="http://schemas.microsoft.com/office/drawing/2010/main">
+        <mc:Choice Requires="a14">
           <p:sp>
             <p:nvSpPr>
               <p:cNvPr id="29" name="Rectangle 294">
@@ -18542,7 +19369,7 @@
                   <a:rPr lang="en-US" altLang="en-US" sz="3200" dirty="0">
                     <a:latin typeface="+mn-lt"/>
                   </a:rPr>
-                  <a:t>Fig 2. Overview of Methodology</a:t>
+                  <a:t>Fig 2. Overview of methodology</a:t>
                 </a:r>
                 <a:endParaRPr lang="en-US" altLang="en-US" sz="2800" b="1" dirty="0"/>
               </a:p>
@@ -18599,19 +19426,7 @@
                   <a:rPr lang="en-US" altLang="en-US" sz="2800" dirty="0">
                     <a:latin typeface="+mn-lt"/>
                   </a:rPr>
-                  <a:t>Drive train simulation of unmanned ground vehicle</a:t>
-                </a:r>
-              </a:p>
-              <a:p>
-                <a:pPr>
-                  <a:buFontTx/>
-                  <a:buNone/>
-                </a:pPr>
-                <a:r>
-                  <a:rPr lang="en-US" altLang="en-US" sz="2800" dirty="0">
-                    <a:latin typeface="+mn-lt"/>
-                  </a:rPr>
-                  <a:t>	Calculates energy in kJ that it takes to move from one node to another. Vehicle has regenerative braking and an onboard 5kW generator.</a:t>
+                  <a:t>Drive train simulation of unmanned ground vehicle Calculates energy in kJ that it takes to move from one node to another. Vehicle has regenerative braking and an onboard 5kW generator.</a:t>
                 </a:r>
               </a:p>
               <a:p>
@@ -18635,7 +19450,7 @@
                   <m:oMath xmlns:m="http://schemas.openxmlformats.org/officeDocument/2006/math">
                     <m:r>
                       <a:rPr lang="el-GR" altLang="en-US" sz="2800" i="1" dirty="0" smtClean="0">
-                        <a:latin typeface="+mn-lt"/>
+                        <a:latin typeface="Cambria Math" panose="02040503050406030204" pitchFamily="18" charset="0"/>
                       </a:rPr>
                       <m:t>𝛼</m:t>
                     </m:r>
@@ -18651,7 +19466,7 @@
                   <m:oMath xmlns:m="http://schemas.openxmlformats.org/officeDocument/2006/math">
                     <m:r>
                       <a:rPr lang="el-GR" altLang="en-US" sz="2800" i="1" dirty="0" smtClean="0">
-                        <a:latin typeface="+mn-lt"/>
+                        <a:latin typeface="Cambria Math" panose="02040503050406030204" pitchFamily="18" charset="0"/>
                       </a:rPr>
                       <m:t>𝛽</m:t>
                     </m:r>
@@ -18702,7 +19517,7 @@
                   <a:rPr lang="en-US" altLang="en-US" sz="3200" dirty="0">
                     <a:latin typeface="+mn-lt"/>
                   </a:rPr>
-                  <a:t>Eq 1. Multi-Objective Optimization Function</a:t>
+                  <a:t>Eq 1. Multi-Objective optimization function</a:t>
                 </a:r>
               </a:p>
               <a:p>
@@ -18714,7 +19529,7 @@
             </p:txBody>
           </p:sp>
         </mc:Choice>
-        <mc:Fallback>
+        <mc:Fallback xmlns="">
           <p:sp>
             <p:nvSpPr>
               <p:cNvPr id="29" name="Rectangle 294">
@@ -18791,377 +19606,6 @@
           </p:sp>
         </mc:Fallback>
       </mc:AlternateContent>
-      <p:sp>
-        <p:nvSpPr>
-          <p:cNvPr id="30" name="Rectangle 301">
-            <a:extLst>
-              <a:ext uri="{FF2B5EF4-FFF2-40B4-BE49-F238E27FC236}">
-                <a16:creationId xmlns:a16="http://schemas.microsoft.com/office/drawing/2014/main" id="{687E8BDB-1153-CDA9-3FFD-C83409C9320D}"/>
-              </a:ext>
-            </a:extLst>
-          </p:cNvPr>
-          <p:cNvSpPr txBox="1">
-            <a:spLocks noChangeArrowheads="1"/>
-          </p:cNvSpPr>
-          <p:nvPr/>
-        </p:nvSpPr>
-        <p:spPr>
-          <a:xfrm>
-            <a:off x="24460200" y="5257800"/>
-            <a:ext cx="11229975" cy="21564600"/>
-          </a:xfrm>
-          <a:prstGeom prst="rect">
-            <a:avLst/>
-          </a:prstGeom>
-        </p:spPr>
-        <p:txBody>
-          <a:bodyPr/>
-          <a:lstStyle>
-            <a:lvl1pPr marL="137157" indent="-137157" algn="l" defTabSz="685784" rtl="0" eaLnBrk="1" latinLnBrk="0" hangingPunct="1">
-              <a:lnSpc>
-                <a:spcPct val="95000"/>
-              </a:lnSpc>
-              <a:spcBef>
-                <a:spcPts val="750"/>
-              </a:spcBef>
-              <a:buFont typeface="Arial" panose="020B0604020202020204" pitchFamily="34" charset="0"/>
-              <a:buChar char="▪"/>
-              <a:defRPr sz="1275" kern="1200">
-                <a:solidFill>
-                  <a:schemeClr val="tx1"/>
-                </a:solidFill>
-                <a:latin typeface="+mn-lt"/>
-                <a:ea typeface="+mn-ea"/>
-                <a:cs typeface="+mn-cs"/>
-              </a:defRPr>
-            </a:lvl1pPr>
-            <a:lvl2pPr marL="274313" indent="-137157" algn="l" defTabSz="685784" rtl="0" eaLnBrk="1" latinLnBrk="0" hangingPunct="1">
-              <a:lnSpc>
-                <a:spcPct val="95000"/>
-              </a:lnSpc>
-              <a:spcBef>
-                <a:spcPts val="375"/>
-              </a:spcBef>
-              <a:buFont typeface="Arial" panose="020B0604020202020204" pitchFamily="34" charset="0"/>
-              <a:buChar char="–"/>
-              <a:defRPr sz="1275" kern="1200">
-                <a:solidFill>
-                  <a:schemeClr val="tx1"/>
-                </a:solidFill>
-                <a:latin typeface="+mn-lt"/>
-                <a:ea typeface="+mn-ea"/>
-                <a:cs typeface="+mn-cs"/>
-              </a:defRPr>
-            </a:lvl2pPr>
-            <a:lvl3pPr marL="411470" indent="-137157" algn="l" defTabSz="685784" rtl="0" eaLnBrk="1" latinLnBrk="0" hangingPunct="1">
-              <a:lnSpc>
-                <a:spcPct val="95000"/>
-              </a:lnSpc>
-              <a:spcBef>
-                <a:spcPts val="375"/>
-              </a:spcBef>
-              <a:buFont typeface="Arial" panose="020B0604020202020204" pitchFamily="34" charset="0"/>
-              <a:buChar char="–"/>
-              <a:defRPr sz="1275" kern="1200">
-                <a:solidFill>
-                  <a:schemeClr val="tx1"/>
-                </a:solidFill>
-                <a:latin typeface="+mn-lt"/>
-                <a:ea typeface="+mn-ea"/>
-                <a:cs typeface="+mn-cs"/>
-              </a:defRPr>
-            </a:lvl3pPr>
-            <a:lvl4pPr marL="548627" indent="-137157" algn="l" defTabSz="685784" rtl="0" eaLnBrk="1" latinLnBrk="0" hangingPunct="1">
-              <a:lnSpc>
-                <a:spcPct val="95000"/>
-              </a:lnSpc>
-              <a:spcBef>
-                <a:spcPts val="375"/>
-              </a:spcBef>
-              <a:buFont typeface="Arial" panose="020B0604020202020204" pitchFamily="34" charset="0"/>
-              <a:buChar char="–"/>
-              <a:defRPr sz="1275" kern="1200">
-                <a:solidFill>
-                  <a:schemeClr val="tx1"/>
-                </a:solidFill>
-                <a:latin typeface="+mn-lt"/>
-                <a:ea typeface="+mn-ea"/>
-                <a:cs typeface="+mn-cs"/>
-              </a:defRPr>
-            </a:lvl4pPr>
-            <a:lvl5pPr marL="685784" indent="-137157" algn="l" defTabSz="685784" rtl="0" eaLnBrk="1" latinLnBrk="0" hangingPunct="1">
-              <a:lnSpc>
-                <a:spcPct val="95000"/>
-              </a:lnSpc>
-              <a:spcBef>
-                <a:spcPts val="375"/>
-              </a:spcBef>
-              <a:buFont typeface="Arial" panose="020B0604020202020204" pitchFamily="34" charset="0"/>
-              <a:buChar char="–"/>
-              <a:defRPr sz="1275" kern="1200">
-                <a:solidFill>
-                  <a:schemeClr val="tx1"/>
-                </a:solidFill>
-                <a:latin typeface="+mn-lt"/>
-                <a:ea typeface="+mn-ea"/>
-                <a:cs typeface="+mn-cs"/>
-              </a:defRPr>
-            </a:lvl5pPr>
-            <a:lvl6pPr marL="822939" indent="-137157" algn="l" defTabSz="685784" rtl="0" eaLnBrk="1" latinLnBrk="0" hangingPunct="1">
-              <a:lnSpc>
-                <a:spcPct val="95000"/>
-              </a:lnSpc>
-              <a:spcBef>
-                <a:spcPts val="375"/>
-              </a:spcBef>
-              <a:buFont typeface="Arial" panose="020B0604020202020204" pitchFamily="34" charset="0"/>
-              <a:buChar char="–"/>
-              <a:defRPr sz="1275" kern="1200">
-                <a:solidFill>
-                  <a:schemeClr val="tx1"/>
-                </a:solidFill>
-                <a:latin typeface="+mn-lt"/>
-                <a:ea typeface="+mn-ea"/>
-                <a:cs typeface="+mn-cs"/>
-              </a:defRPr>
-            </a:lvl6pPr>
-            <a:lvl7pPr marL="960096" indent="-137157" algn="l" defTabSz="685784" rtl="0" eaLnBrk="1" latinLnBrk="0" hangingPunct="1">
-              <a:lnSpc>
-                <a:spcPct val="95000"/>
-              </a:lnSpc>
-              <a:spcBef>
-                <a:spcPts val="375"/>
-              </a:spcBef>
-              <a:buFont typeface="Arial" panose="020B0604020202020204" pitchFamily="34" charset="0"/>
-              <a:buChar char="–"/>
-              <a:defRPr sz="1275" kern="1200">
-                <a:solidFill>
-                  <a:schemeClr val="tx1"/>
-                </a:solidFill>
-                <a:latin typeface="+mn-lt"/>
-                <a:ea typeface="+mn-ea"/>
-                <a:cs typeface="+mn-cs"/>
-              </a:defRPr>
-            </a:lvl7pPr>
-            <a:lvl8pPr marL="1097252" indent="-137157" algn="l" defTabSz="685784" rtl="0" eaLnBrk="1" latinLnBrk="0" hangingPunct="1">
-              <a:lnSpc>
-                <a:spcPct val="95000"/>
-              </a:lnSpc>
-              <a:spcBef>
-                <a:spcPts val="375"/>
-              </a:spcBef>
-              <a:buFont typeface="Arial" panose="020B0604020202020204" pitchFamily="34" charset="0"/>
-              <a:buChar char="–"/>
-              <a:defRPr sz="1275" kern="1200">
-                <a:solidFill>
-                  <a:schemeClr val="tx1"/>
-                </a:solidFill>
-                <a:latin typeface="+mn-lt"/>
-                <a:ea typeface="+mn-ea"/>
-                <a:cs typeface="+mn-cs"/>
-              </a:defRPr>
-            </a:lvl8pPr>
-            <a:lvl9pPr marL="1234409" indent="-137157" algn="l" defTabSz="685784" rtl="0" eaLnBrk="1" latinLnBrk="0" hangingPunct="1">
-              <a:lnSpc>
-                <a:spcPct val="95000"/>
-              </a:lnSpc>
-              <a:spcBef>
-                <a:spcPts val="375"/>
-              </a:spcBef>
-              <a:buFont typeface="Arial" panose="020B0604020202020204" pitchFamily="34" charset="0"/>
-              <a:buChar char="–"/>
-              <a:defRPr sz="1275" kern="1200">
-                <a:solidFill>
-                  <a:schemeClr val="tx1"/>
-                </a:solidFill>
-                <a:latin typeface="+mn-lt"/>
-                <a:ea typeface="+mn-ea"/>
-                <a:cs typeface="+mn-cs"/>
-              </a:defRPr>
-            </a:lvl9pPr>
-          </a:lstStyle>
-          <a:p>
-            <a:pPr marL="476250" indent="-476250">
-              <a:buFontTx/>
-              <a:buNone/>
-            </a:pPr>
-            <a:r>
-              <a:rPr lang="en-US" altLang="en-US" sz="4000" b="1" dirty="0"/>
-              <a:t>Results</a:t>
-            </a:r>
-          </a:p>
-          <a:p>
-            <a:pPr marL="476250" indent="-476250">
-              <a:buFontTx/>
-              <a:buNone/>
-            </a:pPr>
-            <a:endParaRPr lang="en-US" altLang="en-US" sz="4000" b="1" dirty="0"/>
-          </a:p>
-          <a:p>
-            <a:pPr marL="476250" indent="-476250">
-              <a:buFontTx/>
-              <a:buNone/>
-            </a:pPr>
-            <a:endParaRPr lang="en-US" altLang="en-US" sz="4000" b="1" dirty="0"/>
-          </a:p>
-          <a:p>
-            <a:pPr marL="476250" indent="-476250">
-              <a:buFontTx/>
-              <a:buNone/>
-            </a:pPr>
-            <a:endParaRPr lang="en-US" altLang="en-US" sz="4000" b="1" dirty="0"/>
-          </a:p>
-          <a:p>
-            <a:pPr marL="476250" indent="-476250">
-              <a:buFontTx/>
-              <a:buNone/>
-            </a:pPr>
-            <a:endParaRPr lang="en-US" altLang="en-US" sz="4000" b="1" dirty="0"/>
-          </a:p>
-          <a:p>
-            <a:pPr marL="476250" indent="-476250">
-              <a:buFontTx/>
-              <a:buNone/>
-            </a:pPr>
-            <a:endParaRPr lang="en-US" altLang="en-US" sz="4000" b="1" dirty="0"/>
-          </a:p>
-          <a:p>
-            <a:pPr marL="476250" indent="-476250">
-              <a:buFontTx/>
-              <a:buNone/>
-            </a:pPr>
-            <a:endParaRPr lang="en-US" altLang="en-US" sz="4000" b="1" dirty="0"/>
-          </a:p>
-          <a:p>
-            <a:pPr marL="476250" indent="-476250">
-              <a:buFontTx/>
-              <a:buNone/>
-            </a:pPr>
-            <a:endParaRPr lang="en-US" altLang="en-US" sz="4000" b="1" dirty="0"/>
-          </a:p>
-          <a:p>
-            <a:pPr marL="476250" indent="-476250">
-              <a:buFontTx/>
-              <a:buNone/>
-            </a:pPr>
-            <a:endParaRPr lang="en-US" altLang="en-US" sz="4000" b="1" dirty="0"/>
-          </a:p>
-          <a:p>
-            <a:pPr marL="476250" indent="-476250">
-              <a:buFontTx/>
-              <a:buNone/>
-            </a:pPr>
-            <a:endParaRPr lang="en-US" altLang="en-US" sz="4000" b="1" dirty="0"/>
-          </a:p>
-          <a:p>
-            <a:pPr marL="476250" indent="-476250">
-              <a:buFontTx/>
-              <a:buNone/>
-            </a:pPr>
-            <a:endParaRPr lang="en-US" altLang="en-US" sz="4000" b="1" dirty="0"/>
-          </a:p>
-          <a:p>
-            <a:pPr marL="476250" indent="-476250"/>
-            <a:endParaRPr lang="en-US" altLang="en-US" sz="2400" dirty="0"/>
-          </a:p>
-          <a:p>
-            <a:pPr marL="476250" indent="-476250"/>
-            <a:endParaRPr lang="en-US" altLang="en-US" sz="2400" dirty="0"/>
-          </a:p>
-          <a:p>
-            <a:pPr marL="476250" indent="-476250"/>
-            <a:endParaRPr lang="en-US" altLang="en-US" sz="2400" dirty="0"/>
-          </a:p>
-          <a:p>
-            <a:pPr marL="476250" indent="-476250"/>
-            <a:endParaRPr lang="en-US" altLang="en-US" sz="2400" dirty="0"/>
-          </a:p>
-          <a:p>
-            <a:pPr marL="476250" indent="-476250"/>
-            <a:endParaRPr lang="en-US" altLang="en-US" sz="2400" dirty="0"/>
-          </a:p>
-          <a:p>
-            <a:pPr marL="476250" indent="-476250"/>
-            <a:endParaRPr lang="en-US" altLang="en-US" sz="2400" dirty="0"/>
-          </a:p>
-          <a:p>
-            <a:pPr marL="476250" indent="-476250"/>
-            <a:endParaRPr lang="en-US" altLang="en-US" sz="2400" dirty="0"/>
-          </a:p>
-          <a:p>
-            <a:pPr marL="0" indent="0" algn="ctr">
-              <a:buFont typeface="Arial" panose="020B0604020202020204" pitchFamily="34" charset="0"/>
-              <a:buNone/>
-            </a:pPr>
-            <a:endParaRPr lang="en-US" altLang="en-US" sz="3200" dirty="0">
-              <a:latin typeface="+mj-lt"/>
-            </a:endParaRPr>
-          </a:p>
-          <a:p>
-            <a:pPr marL="0" indent="0" algn="ctr">
-              <a:buFont typeface="Arial" panose="020B0604020202020204" pitchFamily="34" charset="0"/>
-              <a:buNone/>
-            </a:pPr>
-            <a:r>
-              <a:rPr lang="en-US" altLang="en-US" sz="3200" dirty="0">
-                <a:latin typeface="+mj-lt"/>
-              </a:rPr>
-              <a:t>Fig 3. Results with Different Objective Weights</a:t>
-            </a:r>
-            <a:endParaRPr lang="en-US" altLang="en-US" sz="4000" b="1" dirty="0"/>
-          </a:p>
-          <a:p>
-            <a:pPr marL="476250" indent="-476250">
-              <a:buFontTx/>
-              <a:buNone/>
-            </a:pPr>
-            <a:r>
-              <a:rPr lang="en-US" altLang="en-US" sz="4000" b="1" dirty="0"/>
-              <a:t>Conclusion</a:t>
-            </a:r>
-          </a:p>
-          <a:p>
-            <a:pPr marL="476250" indent="-476250">
-              <a:buFontTx/>
-              <a:buNone/>
-            </a:pPr>
-            <a:r>
-              <a:rPr lang="en-US" altLang="en-US" sz="4000" b="1" dirty="0"/>
-              <a:t>	</a:t>
-            </a:r>
-            <a:r>
-              <a:rPr lang="en-US" altLang="en-US" sz="2800" dirty="0"/>
-              <a:t>The generated paths allow for three distinct options for a commander to  choose from. The path solely minimizing energy consumption goes directly through an enemy, while the path minimizing solely detection consumes more energy and takes a more round about path. Allowing for the customization of weights for both detection and energy consumption allows for a pareto frontier of decisions a commander can make. </a:t>
-            </a:r>
-          </a:p>
-          <a:p>
-            <a:pPr marL="476250" indent="-476250">
-              <a:buFontTx/>
-              <a:buNone/>
-            </a:pPr>
-            <a:endParaRPr lang="en-US" altLang="en-US" sz="2400" dirty="0"/>
-          </a:p>
-          <a:p>
-            <a:pPr marL="476250" indent="-476250">
-              <a:buFontTx/>
-              <a:buNone/>
-            </a:pPr>
-            <a:r>
-              <a:rPr lang="en-US" altLang="en-US" sz="4000" b="1" dirty="0"/>
-              <a:t>References</a:t>
-            </a:r>
-          </a:p>
-          <a:p>
-            <a:pPr marL="1024877" lvl="4" indent="-476250">
-              <a:buNone/>
-            </a:pPr>
-            <a:r>
-              <a:rPr lang="en-US" altLang="en-US" sz="2800" dirty="0"/>
-              <a:t>Kendall, Thomas P., Daniel T. Killian, and Matthew J. Koch. "Optimized Tactical Route Planning." Military Operations Research Journal 28, no. 4 (2023): 5-21.</a:t>
-            </a:r>
-          </a:p>
-        </p:txBody>
-      </p:sp>
       <p:pic>
         <p:nvPicPr>
           <p:cNvPr id="79" name="Picture 78">
@@ -19177,15 +19621,20 @@
           <p:nvPr/>
         </p:nvPicPr>
         <p:blipFill>
-          <a:blip r:embed="rId4"/>
-          <a:stretch>
-            <a:fillRect/>
-          </a:stretch>
+          <a:blip r:embed="rId4">
+            <a:extLst>
+              <a:ext uri="{96DAC541-7B7A-43D3-8B79-37D633B846F1}">
+                <asvg:svgBlip xmlns:asvg="http://schemas.microsoft.com/office/drawing/2016/SVG/main" r:embed="rId5"/>
+              </a:ext>
+            </a:extLst>
+          </a:blip>
+          <a:srcRect/>
+          <a:stretch/>
         </p:blipFill>
         <p:spPr>
           <a:xfrm>
-            <a:off x="12649200" y="5714751"/>
-            <a:ext cx="12281395" cy="6405420"/>
+            <a:off x="12298573" y="5544862"/>
+            <a:ext cx="12482791" cy="6880050"/>
           </a:xfrm>
           <a:prstGeom prst="rect">
             <a:avLst/>
@@ -19207,15 +19656,20 @@
           <p:nvPr/>
         </p:nvPicPr>
         <p:blipFill>
-          <a:blip r:embed="rId5"/>
-          <a:stretch>
-            <a:fillRect/>
-          </a:stretch>
+          <a:blip r:embed="rId6">
+            <a:extLst>
+              <a:ext uri="{96DAC541-7B7A-43D3-8B79-37D633B846F1}">
+                <asvg:svgBlip xmlns:asvg="http://schemas.microsoft.com/office/drawing/2016/SVG/main" r:embed="rId7"/>
+              </a:ext>
+            </a:extLst>
+          </a:blip>
+          <a:srcRect/>
+          <a:stretch/>
         </p:blipFill>
         <p:spPr>
           <a:xfrm>
-            <a:off x="2458065" y="14288736"/>
-            <a:ext cx="8612961" cy="5410621"/>
+            <a:off x="2458984" y="14288736"/>
+            <a:ext cx="8611123" cy="5410621"/>
           </a:xfrm>
           <a:prstGeom prst="rect">
             <a:avLst/>
@@ -19237,7 +19691,7 @@
           <p:nvPr/>
         </p:nvPicPr>
         <p:blipFill rotWithShape="1">
-          <a:blip r:embed="rId6"/>
+          <a:blip r:embed="rId8"/>
           <a:srcRect l="26209" r="27436"/>
           <a:stretch/>
         </p:blipFill>
